--- a/Slides.pptx
+++ b/Slides.pptx
@@ -7,7 +7,7 @@
     <p:sldMasterId id="2147483696" r:id="rId3"/>
   </p:sldMasterIdLst>
   <p:notesMasterIdLst>
-    <p:notesMasterId r:id="rId108"/>
+    <p:notesMasterId r:id="rId109"/>
   </p:notesMasterIdLst>
   <p:sldIdLst>
     <p:sldId id="256" r:id="rId4"/>
@@ -82,48 +82,49 @@
     <p:sldId id="319" r:id="rId73"/>
     <p:sldId id="320" r:id="rId74"/>
     <p:sldId id="321" r:id="rId75"/>
-    <p:sldId id="322" r:id="rId76"/>
-    <p:sldId id="323" r:id="rId77"/>
-    <p:sldId id="324" r:id="rId78"/>
-    <p:sldId id="325" r:id="rId79"/>
-    <p:sldId id="326" r:id="rId80"/>
-    <p:sldId id="327" r:id="rId81"/>
-    <p:sldId id="328" r:id="rId82"/>
-    <p:sldId id="329" r:id="rId83"/>
-    <p:sldId id="330" r:id="rId84"/>
-    <p:sldId id="331" r:id="rId85"/>
-    <p:sldId id="332" r:id="rId86"/>
-    <p:sldId id="333" r:id="rId87"/>
-    <p:sldId id="334" r:id="rId88"/>
-    <p:sldId id="335" r:id="rId89"/>
-    <p:sldId id="362" r:id="rId90"/>
-    <p:sldId id="337" r:id="rId91"/>
-    <p:sldId id="338" r:id="rId92"/>
-    <p:sldId id="363" r:id="rId93"/>
-    <p:sldId id="340" r:id="rId94"/>
-    <p:sldId id="364" r:id="rId95"/>
-    <p:sldId id="342" r:id="rId96"/>
-    <p:sldId id="365" r:id="rId97"/>
-    <p:sldId id="343" r:id="rId98"/>
-    <p:sldId id="344" r:id="rId99"/>
-    <p:sldId id="345" r:id="rId100"/>
-    <p:sldId id="346" r:id="rId101"/>
-    <p:sldId id="347" r:id="rId102"/>
-    <p:sldId id="348" r:id="rId103"/>
-    <p:sldId id="357" r:id="rId104"/>
-    <p:sldId id="358" r:id="rId105"/>
-    <p:sldId id="349" r:id="rId106"/>
-    <p:sldId id="350" r:id="rId107"/>
+    <p:sldId id="366" r:id="rId76"/>
+    <p:sldId id="322" r:id="rId77"/>
+    <p:sldId id="323" r:id="rId78"/>
+    <p:sldId id="324" r:id="rId79"/>
+    <p:sldId id="325" r:id="rId80"/>
+    <p:sldId id="326" r:id="rId81"/>
+    <p:sldId id="327" r:id="rId82"/>
+    <p:sldId id="328" r:id="rId83"/>
+    <p:sldId id="329" r:id="rId84"/>
+    <p:sldId id="330" r:id="rId85"/>
+    <p:sldId id="331" r:id="rId86"/>
+    <p:sldId id="332" r:id="rId87"/>
+    <p:sldId id="333" r:id="rId88"/>
+    <p:sldId id="334" r:id="rId89"/>
+    <p:sldId id="335" r:id="rId90"/>
+    <p:sldId id="362" r:id="rId91"/>
+    <p:sldId id="337" r:id="rId92"/>
+    <p:sldId id="338" r:id="rId93"/>
+    <p:sldId id="363" r:id="rId94"/>
+    <p:sldId id="340" r:id="rId95"/>
+    <p:sldId id="364" r:id="rId96"/>
+    <p:sldId id="342" r:id="rId97"/>
+    <p:sldId id="365" r:id="rId98"/>
+    <p:sldId id="343" r:id="rId99"/>
+    <p:sldId id="344" r:id="rId100"/>
+    <p:sldId id="345" r:id="rId101"/>
+    <p:sldId id="346" r:id="rId102"/>
+    <p:sldId id="347" r:id="rId103"/>
+    <p:sldId id="348" r:id="rId104"/>
+    <p:sldId id="357" r:id="rId105"/>
+    <p:sldId id="358" r:id="rId106"/>
+    <p:sldId id="349" r:id="rId107"/>
+    <p:sldId id="350" r:id="rId108"/>
   </p:sldIdLst>
   <p:sldSz cx="9144000" cy="6858000" type="screen4x3"/>
   <p:notesSz cx="6797675" cy="9926638"/>
   <p:embeddedFontLst>
     <p:embeddedFont>
       <p:font typeface="Calibri" panose="020F0502020204030204" pitchFamily="34" charset="0"/>
-      <p:regular r:id="rId109"/>
-      <p:bold r:id="rId110"/>
-      <p:italic r:id="rId111"/>
-      <p:boldItalic r:id="rId112"/>
+      <p:regular r:id="rId110"/>
+      <p:bold r:id="rId111"/>
+      <p:italic r:id="rId112"/>
+      <p:boldItalic r:id="rId113"/>
     </p:embeddedFont>
   </p:embeddedFontLst>
   <p:defaultTextStyle>
@@ -323,7 +324,7 @@
             <a:fld id="{B932F30F-3B11-4372-89B9-F8AB5406D210}" type="datetimeFigureOut">
               <a:rPr lang="pt-BR" smtClean="0"/>
               <a:pPr/>
-              <a:t>31/05/2016</a:t>
+              <a:t>01/06/2016</a:t>
             </a:fld>
             <a:endParaRPr lang="pt-BR"/>
           </a:p>
@@ -830,7 +831,7 @@
             <a:fld id="{DDB43D88-D6A8-46D8-9093-CF118BD12A73}" type="slidenum">
               <a:rPr lang="pt-BR" smtClean="0"/>
               <a:pPr/>
-              <a:t>100</a:t>
+              <a:t>101</a:t>
             </a:fld>
             <a:endParaRPr lang="pt-BR"/>
           </a:p>
@@ -915,7 +916,7 @@
             <a:fld id="{DDB43D88-D6A8-46D8-9093-CF118BD12A73}" type="slidenum">
               <a:rPr lang="pt-BR" smtClean="0"/>
               <a:pPr/>
-              <a:t>101</a:t>
+              <a:t>102</a:t>
             </a:fld>
             <a:endParaRPr lang="pt-BR"/>
           </a:p>
@@ -1000,7 +1001,7 @@
             <a:fld id="{DDB43D88-D6A8-46D8-9093-CF118BD12A73}" type="slidenum">
               <a:rPr lang="pt-BR" smtClean="0"/>
               <a:pPr/>
-              <a:t>102</a:t>
+              <a:t>103</a:t>
             </a:fld>
             <a:endParaRPr lang="pt-BR"/>
           </a:p>
@@ -1085,7 +1086,7 @@
             <a:fld id="{DDB43D88-D6A8-46D8-9093-CF118BD12A73}" type="slidenum">
               <a:rPr lang="pt-BR" smtClean="0"/>
               <a:pPr/>
-              <a:t>103</a:t>
+              <a:t>104</a:t>
             </a:fld>
             <a:endParaRPr lang="pt-BR"/>
           </a:p>
@@ -1170,7 +1171,7 @@
             <a:fld id="{DDB43D88-D6A8-46D8-9093-CF118BD12A73}" type="slidenum">
               <a:rPr lang="pt-BR" smtClean="0"/>
               <a:pPr/>
-              <a:t>104</a:t>
+              <a:t>105</a:t>
             </a:fld>
             <a:endParaRPr lang="pt-BR"/>
           </a:p>
@@ -5359,7 +5360,11 @@
           <a:bodyPr/>
           <a:lstStyle/>
           <a:p>
-            <a:endParaRPr lang="en-US"/>
+            <a:r>
+              <a:rPr lang="pt-BR" dirty="0"/>
+              <a:t>h</a:t>
+            </a:r>
+            <a:endParaRPr lang="en-US" dirty="0"/>
           </a:p>
         </p:txBody>
       </p:sp>
@@ -7180,7 +7185,7 @@
             <a:fld id="{DDB43D88-D6A8-46D8-9093-CF118BD12A73}" type="slidenum">
               <a:rPr lang="pt-BR" smtClean="0"/>
               <a:pPr/>
-              <a:t>73</a:t>
+              <a:t>74</a:t>
             </a:fld>
             <a:endParaRPr lang="pt-BR"/>
           </a:p>
@@ -7265,7 +7270,7 @@
             <a:fld id="{DDB43D88-D6A8-46D8-9093-CF118BD12A73}" type="slidenum">
               <a:rPr lang="pt-BR" smtClean="0"/>
               <a:pPr/>
-              <a:t>74</a:t>
+              <a:t>75</a:t>
             </a:fld>
             <a:endParaRPr lang="pt-BR"/>
           </a:p>
@@ -7350,7 +7355,7 @@
             <a:fld id="{DDB43D88-D6A8-46D8-9093-CF118BD12A73}" type="slidenum">
               <a:rPr lang="pt-BR" smtClean="0"/>
               <a:pPr/>
-              <a:t>75</a:t>
+              <a:t>76</a:t>
             </a:fld>
             <a:endParaRPr lang="pt-BR"/>
           </a:p>
@@ -7435,7 +7440,7 @@
             <a:fld id="{DDB43D88-D6A8-46D8-9093-CF118BD12A73}" type="slidenum">
               <a:rPr lang="pt-BR" smtClean="0"/>
               <a:pPr/>
-              <a:t>76</a:t>
+              <a:t>77</a:t>
             </a:fld>
             <a:endParaRPr lang="pt-BR"/>
           </a:p>
@@ -7520,7 +7525,7 @@
             <a:fld id="{DDB43D88-D6A8-46D8-9093-CF118BD12A73}" type="slidenum">
               <a:rPr lang="pt-BR" smtClean="0"/>
               <a:pPr/>
-              <a:t>77</a:t>
+              <a:t>78</a:t>
             </a:fld>
             <a:endParaRPr lang="pt-BR"/>
           </a:p>
@@ -7605,7 +7610,7 @@
             <a:fld id="{DDB43D88-D6A8-46D8-9093-CF118BD12A73}" type="slidenum">
               <a:rPr lang="pt-BR" smtClean="0"/>
               <a:pPr/>
-              <a:t>78</a:t>
+              <a:t>79</a:t>
             </a:fld>
             <a:endParaRPr lang="pt-BR"/>
           </a:p>
@@ -7690,7 +7695,7 @@
             <a:fld id="{DDB43D88-D6A8-46D8-9093-CF118BD12A73}" type="slidenum">
               <a:rPr lang="pt-BR" smtClean="0"/>
               <a:pPr/>
-              <a:t>79</a:t>
+              <a:t>80</a:t>
             </a:fld>
             <a:endParaRPr lang="pt-BR"/>
           </a:p>
@@ -7884,7 +7889,7 @@
             <a:fld id="{DDB43D88-D6A8-46D8-9093-CF118BD12A73}" type="slidenum">
               <a:rPr lang="pt-BR" smtClean="0"/>
               <a:pPr/>
-              <a:t>80</a:t>
+              <a:t>81</a:t>
             </a:fld>
             <a:endParaRPr lang="pt-BR"/>
           </a:p>
@@ -7969,7 +7974,7 @@
             <a:fld id="{DDB43D88-D6A8-46D8-9093-CF118BD12A73}" type="slidenum">
               <a:rPr lang="pt-BR" smtClean="0"/>
               <a:pPr/>
-              <a:t>81</a:t>
+              <a:t>82</a:t>
             </a:fld>
             <a:endParaRPr lang="pt-BR"/>
           </a:p>
@@ -8054,7 +8059,7 @@
             <a:fld id="{DDB43D88-D6A8-46D8-9093-CF118BD12A73}" type="slidenum">
               <a:rPr lang="pt-BR" smtClean="0"/>
               <a:pPr/>
-              <a:t>82</a:t>
+              <a:t>83</a:t>
             </a:fld>
             <a:endParaRPr lang="pt-BR"/>
           </a:p>
@@ -8139,7 +8144,7 @@
             <a:fld id="{DDB43D88-D6A8-46D8-9093-CF118BD12A73}" type="slidenum">
               <a:rPr lang="pt-BR" smtClean="0"/>
               <a:pPr/>
-              <a:t>83</a:t>
+              <a:t>84</a:t>
             </a:fld>
             <a:endParaRPr lang="pt-BR"/>
           </a:p>
@@ -8224,7 +8229,7 @@
             <a:fld id="{DDB43D88-D6A8-46D8-9093-CF118BD12A73}" type="slidenum">
               <a:rPr lang="pt-BR" smtClean="0"/>
               <a:pPr/>
-              <a:t>84</a:t>
+              <a:t>85</a:t>
             </a:fld>
             <a:endParaRPr lang="pt-BR"/>
           </a:p>
@@ -8313,7 +8318,7 @@
             <a:fld id="{DDB43D88-D6A8-46D8-9093-CF118BD12A73}" type="slidenum">
               <a:rPr lang="pt-BR" smtClean="0"/>
               <a:pPr/>
-              <a:t>85</a:t>
+              <a:t>86</a:t>
             </a:fld>
             <a:endParaRPr lang="pt-BR"/>
           </a:p>
@@ -8398,7 +8403,7 @@
             <a:fld id="{DDB43D88-D6A8-46D8-9093-CF118BD12A73}" type="slidenum">
               <a:rPr lang="pt-BR" smtClean="0"/>
               <a:pPr/>
-              <a:t>86</a:t>
+              <a:t>87</a:t>
             </a:fld>
             <a:endParaRPr lang="pt-BR"/>
           </a:p>
@@ -9081,7 +9086,7 @@
             <a:fld id="{DDB43D88-D6A8-46D8-9093-CF118BD12A73}" type="slidenum">
               <a:rPr lang="pt-BR" smtClean="0"/>
               <a:pPr/>
-              <a:t>87</a:t>
+              <a:t>88</a:t>
             </a:fld>
             <a:endParaRPr lang="pt-BR"/>
           </a:p>
@@ -9166,7 +9171,7 @@
             <a:fld id="{DDB43D88-D6A8-46D8-9093-CF118BD12A73}" type="slidenum">
               <a:rPr lang="pt-BR" smtClean="0"/>
               <a:pPr/>
-              <a:t>88</a:t>
+              <a:t>89</a:t>
             </a:fld>
             <a:endParaRPr lang="pt-BR"/>
           </a:p>
@@ -9255,7 +9260,7 @@
             <a:fld id="{DDB43D88-D6A8-46D8-9093-CF118BD12A73}" type="slidenum">
               <a:rPr lang="pt-BR" smtClean="0"/>
               <a:pPr/>
-              <a:t>89</a:t>
+              <a:t>90</a:t>
             </a:fld>
             <a:endParaRPr lang="pt-BR"/>
           </a:p>
@@ -9678,7 +9683,7 @@
             <a:fld id="{DDB43D88-D6A8-46D8-9093-CF118BD12A73}" type="slidenum">
               <a:rPr lang="pt-BR" smtClean="0"/>
               <a:pPr/>
-              <a:t>90</a:t>
+              <a:t>91</a:t>
             </a:fld>
             <a:endParaRPr lang="pt-BR"/>
           </a:p>
@@ -9763,7 +9768,7 @@
             <a:fld id="{DDB43D88-D6A8-46D8-9093-CF118BD12A73}" type="slidenum">
               <a:rPr lang="pt-BR" smtClean="0"/>
               <a:pPr/>
-              <a:t>91</a:t>
+              <a:t>92</a:t>
             </a:fld>
             <a:endParaRPr lang="pt-BR"/>
           </a:p>
@@ -9848,7 +9853,7 @@
             <a:fld id="{DDB43D88-D6A8-46D8-9093-CF118BD12A73}" type="slidenum">
               <a:rPr lang="pt-BR" smtClean="0"/>
               <a:pPr/>
-              <a:t>92</a:t>
+              <a:t>93</a:t>
             </a:fld>
             <a:endParaRPr lang="pt-BR"/>
           </a:p>
@@ -9933,7 +9938,7 @@
             <a:fld id="{DDB43D88-D6A8-46D8-9093-CF118BD12A73}" type="slidenum">
               <a:rPr lang="pt-BR" smtClean="0"/>
               <a:pPr/>
-              <a:t>93</a:t>
+              <a:t>94</a:t>
             </a:fld>
             <a:endParaRPr lang="pt-BR"/>
           </a:p>
@@ -10018,7 +10023,7 @@
             <a:fld id="{DDB43D88-D6A8-46D8-9093-CF118BD12A73}" type="slidenum">
               <a:rPr lang="pt-BR" smtClean="0"/>
               <a:pPr/>
-              <a:t>94</a:t>
+              <a:t>95</a:t>
             </a:fld>
             <a:endParaRPr lang="pt-BR"/>
           </a:p>
@@ -10103,7 +10108,7 @@
             <a:fld id="{DDB43D88-D6A8-46D8-9093-CF118BD12A73}" type="slidenum">
               <a:rPr lang="pt-BR" smtClean="0"/>
               <a:pPr/>
-              <a:t>95</a:t>
+              <a:t>96</a:t>
             </a:fld>
             <a:endParaRPr lang="pt-BR"/>
           </a:p>
@@ -10188,7 +10193,7 @@
             <a:fld id="{DDB43D88-D6A8-46D8-9093-CF118BD12A73}" type="slidenum">
               <a:rPr lang="pt-BR" smtClean="0"/>
               <a:pPr/>
-              <a:t>96</a:t>
+              <a:t>97</a:t>
             </a:fld>
             <a:endParaRPr lang="pt-BR"/>
           </a:p>
@@ -10273,7 +10278,7 @@
             <a:fld id="{DDB43D88-D6A8-46D8-9093-CF118BD12A73}" type="slidenum">
               <a:rPr lang="pt-BR" smtClean="0"/>
               <a:pPr/>
-              <a:t>97</a:t>
+              <a:t>98</a:t>
             </a:fld>
             <a:endParaRPr lang="pt-BR"/>
           </a:p>
@@ -10358,7 +10363,7 @@
             <a:fld id="{DDB43D88-D6A8-46D8-9093-CF118BD12A73}" type="slidenum">
               <a:rPr lang="pt-BR" smtClean="0"/>
               <a:pPr/>
-              <a:t>98</a:t>
+              <a:t>99</a:t>
             </a:fld>
             <a:endParaRPr lang="pt-BR"/>
           </a:p>
@@ -10443,7 +10448,7 @@
             <a:fld id="{DDB43D88-D6A8-46D8-9093-CF118BD12A73}" type="slidenum">
               <a:rPr lang="pt-BR" smtClean="0"/>
               <a:pPr/>
-              <a:t>99</a:t>
+              <a:t>100</a:t>
             </a:fld>
             <a:endParaRPr lang="pt-BR"/>
           </a:p>
@@ -16927,6 +16932,531 @@
       </p:sp>
       <p:pic>
         <p:nvPicPr>
+          <p:cNvPr id="4" name="Content Placeholder 3"/>
+          <p:cNvPicPr>
+            <a:picLocks noGrp="1" noChangeAspect="1"/>
+          </p:cNvPicPr>
+          <p:nvPr>
+            <p:ph idx="1"/>
+          </p:nvPr>
+        </p:nvPicPr>
+        <p:blipFill>
+          <a:blip r:embed="rId3" cstate="print">
+            <a:extLst>
+              <a:ext uri="{28A0092B-C50C-407E-A947-70E740481C1C}">
+                <a14:useLocalDpi xmlns:a14="http://schemas.microsoft.com/office/drawing/2010/main" val="0"/>
+              </a:ext>
+            </a:extLst>
+          </a:blip>
+          <a:stretch>
+            <a:fillRect/>
+          </a:stretch>
+        </p:blipFill>
+        <p:spPr>
+          <a:xfrm>
+            <a:off x="185831" y="2892488"/>
+            <a:ext cx="3290546" cy="298872"/>
+          </a:xfrm>
+        </p:spPr>
+      </p:pic>
+      <p:pic>
+        <p:nvPicPr>
+          <p:cNvPr id="5" name="Picture 4"/>
+          <p:cNvPicPr>
+            <a:picLocks noChangeAspect="1"/>
+          </p:cNvPicPr>
+          <p:nvPr/>
+        </p:nvPicPr>
+        <p:blipFill>
+          <a:blip r:embed="rId4" cstate="print">
+            <a:extLst>
+              <a:ext uri="{28A0092B-C50C-407E-A947-70E740481C1C}">
+                <a14:useLocalDpi xmlns:a14="http://schemas.microsoft.com/office/drawing/2010/main" val="0"/>
+              </a:ext>
+            </a:extLst>
+          </a:blip>
+          <a:stretch>
+            <a:fillRect/>
+          </a:stretch>
+        </p:blipFill>
+        <p:spPr>
+          <a:xfrm>
+            <a:off x="4866351" y="2799307"/>
+            <a:ext cx="4176464" cy="476711"/>
+          </a:xfrm>
+          <a:prstGeom prst="rect">
+            <a:avLst/>
+          </a:prstGeom>
+        </p:spPr>
+      </p:pic>
+      <p:cxnSp>
+        <p:nvCxnSpPr>
+          <p:cNvPr id="6" name="Straight Arrow Connector 5"/>
+          <p:cNvCxnSpPr/>
+          <p:nvPr/>
+        </p:nvCxnSpPr>
+        <p:spPr>
+          <a:xfrm>
+            <a:off x="3595300" y="3037662"/>
+            <a:ext cx="1199043" cy="0"/>
+          </a:xfrm>
+          <a:prstGeom prst="straightConnector1">
+            <a:avLst/>
+          </a:prstGeom>
+          <a:ln w="28575">
+            <a:tailEnd type="triangle"/>
+          </a:ln>
+        </p:spPr>
+        <p:style>
+          <a:lnRef idx="1">
+            <a:schemeClr val="dk1"/>
+          </a:lnRef>
+          <a:fillRef idx="0">
+            <a:schemeClr val="dk1"/>
+          </a:fillRef>
+          <a:effectRef idx="0">
+            <a:schemeClr val="dk1"/>
+          </a:effectRef>
+          <a:fontRef idx="minor">
+            <a:schemeClr val="tx1"/>
+          </a:fontRef>
+        </p:style>
+      </p:cxnSp>
+      <p:pic>
+        <p:nvPicPr>
+          <p:cNvPr id="7" name="Picture 6"/>
+          <p:cNvPicPr>
+            <a:picLocks noChangeAspect="1"/>
+          </p:cNvPicPr>
+          <p:nvPr/>
+        </p:nvPicPr>
+        <p:blipFill>
+          <a:blip r:embed="rId5" cstate="print">
+            <a:extLst>
+              <a:ext uri="{28A0092B-C50C-407E-A947-70E740481C1C}">
+                <a14:useLocalDpi xmlns:a14="http://schemas.microsoft.com/office/drawing/2010/main" val="0"/>
+              </a:ext>
+            </a:extLst>
+          </a:blip>
+          <a:stretch>
+            <a:fillRect/>
+          </a:stretch>
+        </p:blipFill>
+        <p:spPr>
+          <a:xfrm>
+            <a:off x="3532594" y="2532080"/>
+            <a:ext cx="1277540" cy="400158"/>
+          </a:xfrm>
+          <a:prstGeom prst="rect">
+            <a:avLst/>
+          </a:prstGeom>
+        </p:spPr>
+      </p:pic>
+      <p:pic>
+        <p:nvPicPr>
+          <p:cNvPr id="8" name="Picture 7"/>
+          <p:cNvPicPr>
+            <a:picLocks noChangeAspect="1"/>
+          </p:cNvPicPr>
+          <p:nvPr/>
+        </p:nvPicPr>
+        <p:blipFill>
+          <a:blip r:embed="rId6" cstate="print">
+            <a:extLst>
+              <a:ext uri="{28A0092B-C50C-407E-A947-70E740481C1C}">
+                <a14:useLocalDpi xmlns:a14="http://schemas.microsoft.com/office/drawing/2010/main" val="0"/>
+              </a:ext>
+            </a:extLst>
+          </a:blip>
+          <a:stretch>
+            <a:fillRect/>
+          </a:stretch>
+        </p:blipFill>
+        <p:spPr>
+          <a:xfrm>
+            <a:off x="383413" y="3845663"/>
+            <a:ext cx="2376381" cy="513209"/>
+          </a:xfrm>
+          <a:prstGeom prst="rect">
+            <a:avLst/>
+          </a:prstGeom>
+        </p:spPr>
+      </p:pic>
+      <p:sp>
+        <p:nvSpPr>
+          <p:cNvPr id="9" name="TextBox 8"/>
+          <p:cNvSpPr txBox="1"/>
+          <p:nvPr/>
+        </p:nvSpPr>
+        <p:spPr>
+          <a:xfrm>
+            <a:off x="179511" y="5013176"/>
+            <a:ext cx="5136599" cy="523220"/>
+          </a:xfrm>
+          <a:prstGeom prst="rect">
+            <a:avLst/>
+          </a:prstGeom>
+          <a:noFill/>
+        </p:spPr>
+        <p:txBody>
+          <a:bodyPr wrap="none" rtlCol="0">
+            <a:spAutoFit/>
+          </a:bodyPr>
+          <a:lstStyle/>
+          <a:p>
+            <a:pPr marL="457200" indent="-457200">
+              <a:buFont typeface="Arial" panose="020B0604020202020204" pitchFamily="34" charset="0"/>
+              <a:buChar char="•"/>
+            </a:pPr>
+            <a:r>
+              <a:rPr lang="pt-BR" sz="2800" dirty="0" err="1"/>
+              <a:t>git</a:t>
+            </a:r>
+            <a:r>
+              <a:rPr lang="pt-BR" sz="2800" dirty="0"/>
+              <a:t> </a:t>
+            </a:r>
+            <a:r>
+              <a:rPr lang="pt-BR" sz="2800" dirty="0" err="1"/>
+              <a:t>request-pull</a:t>
+            </a:r>
+            <a:r>
+              <a:rPr lang="pt-BR" sz="2800" dirty="0"/>
+              <a:t> destino origem</a:t>
+            </a:r>
+          </a:p>
+        </p:txBody>
+      </p:sp>
+    </p:spTree>
+    <p:extLst>
+      <p:ext uri="{BB962C8B-B14F-4D97-AF65-F5344CB8AC3E}">
+        <p14:creationId xmlns:p14="http://schemas.microsoft.com/office/powerpoint/2010/main" val="1851993963"/>
+      </p:ext>
+    </p:extLst>
+  </p:cSld>
+  <p:clrMapOvr>
+    <a:masterClrMapping/>
+  </p:clrMapOvr>
+  <p:transition>
+    <p:fade/>
+  </p:transition>
+  <p:timing>
+    <p:tnLst>
+      <p:par>
+        <p:cTn id="1" dur="indefinite" restart="never" nodeType="tmRoot">
+          <p:childTnLst>
+            <p:seq concurrent="1" nextAc="seek">
+              <p:cTn id="2" dur="indefinite" nodeType="mainSeq">
+                <p:childTnLst>
+                  <p:par>
+                    <p:cTn id="3" fill="hold">
+                      <p:stCondLst>
+                        <p:cond delay="indefinite"/>
+                      </p:stCondLst>
+                      <p:childTnLst>
+                        <p:par>
+                          <p:cTn id="4" fill="hold">
+                            <p:stCondLst>
+                              <p:cond delay="0"/>
+                            </p:stCondLst>
+                            <p:childTnLst>
+                              <p:par>
+                                <p:cTn id="5" presetID="10" presetClass="entr" presetSubtype="0" fill="hold" nodeType="clickEffect">
+                                  <p:stCondLst>
+                                    <p:cond delay="0"/>
+                                  </p:stCondLst>
+                                  <p:childTnLst>
+                                    <p:set>
+                                      <p:cBhvr>
+                                        <p:cTn id="6" dur="1" fill="hold">
+                                          <p:stCondLst>
+                                            <p:cond delay="0"/>
+                                          </p:stCondLst>
+                                        </p:cTn>
+                                        <p:tgtEl>
+                                          <p:spTgt spid="7"/>
+                                        </p:tgtEl>
+                                        <p:attrNameLst>
+                                          <p:attrName>style.visibility</p:attrName>
+                                        </p:attrNameLst>
+                                      </p:cBhvr>
+                                      <p:to>
+                                        <p:strVal val="visible"/>
+                                      </p:to>
+                                    </p:set>
+                                    <p:animEffect transition="in" filter="fade">
+                                      <p:cBhvr>
+                                        <p:cTn id="7" dur="500"/>
+                                        <p:tgtEl>
+                                          <p:spTgt spid="7"/>
+                                        </p:tgtEl>
+                                      </p:cBhvr>
+                                    </p:animEffect>
+                                  </p:childTnLst>
+                                </p:cTn>
+                              </p:par>
+                            </p:childTnLst>
+                          </p:cTn>
+                        </p:par>
+                        <p:par>
+                          <p:cTn id="8" fill="hold">
+                            <p:stCondLst>
+                              <p:cond delay="500"/>
+                            </p:stCondLst>
+                            <p:childTnLst>
+                              <p:par>
+                                <p:cTn id="9" presetID="10" presetClass="entr" presetSubtype="0" fill="hold" nodeType="afterEffect">
+                                  <p:stCondLst>
+                                    <p:cond delay="0"/>
+                                  </p:stCondLst>
+                                  <p:childTnLst>
+                                    <p:set>
+                                      <p:cBhvr>
+                                        <p:cTn id="10" dur="1" fill="hold">
+                                          <p:stCondLst>
+                                            <p:cond delay="0"/>
+                                          </p:stCondLst>
+                                        </p:cTn>
+                                        <p:tgtEl>
+                                          <p:spTgt spid="6"/>
+                                        </p:tgtEl>
+                                        <p:attrNameLst>
+                                          <p:attrName>style.visibility</p:attrName>
+                                        </p:attrNameLst>
+                                      </p:cBhvr>
+                                      <p:to>
+                                        <p:strVal val="visible"/>
+                                      </p:to>
+                                    </p:set>
+                                    <p:animEffect transition="in" filter="fade">
+                                      <p:cBhvr>
+                                        <p:cTn id="11" dur="500"/>
+                                        <p:tgtEl>
+                                          <p:spTgt spid="6"/>
+                                        </p:tgtEl>
+                                      </p:cBhvr>
+                                    </p:animEffect>
+                                  </p:childTnLst>
+                                </p:cTn>
+                              </p:par>
+                            </p:childTnLst>
+                          </p:cTn>
+                        </p:par>
+                        <p:par>
+                          <p:cTn id="12" fill="hold">
+                            <p:stCondLst>
+                              <p:cond delay="1000"/>
+                            </p:stCondLst>
+                            <p:childTnLst>
+                              <p:par>
+                                <p:cTn id="13" presetID="10" presetClass="entr" presetSubtype="0" fill="hold" nodeType="afterEffect">
+                                  <p:stCondLst>
+                                    <p:cond delay="0"/>
+                                  </p:stCondLst>
+                                  <p:childTnLst>
+                                    <p:set>
+                                      <p:cBhvr>
+                                        <p:cTn id="14" dur="1" fill="hold">
+                                          <p:stCondLst>
+                                            <p:cond delay="0"/>
+                                          </p:stCondLst>
+                                        </p:cTn>
+                                        <p:tgtEl>
+                                          <p:spTgt spid="5"/>
+                                        </p:tgtEl>
+                                        <p:attrNameLst>
+                                          <p:attrName>style.visibility</p:attrName>
+                                        </p:attrNameLst>
+                                      </p:cBhvr>
+                                      <p:to>
+                                        <p:strVal val="visible"/>
+                                      </p:to>
+                                    </p:set>
+                                    <p:animEffect transition="in" filter="fade">
+                                      <p:cBhvr>
+                                        <p:cTn id="15" dur="500"/>
+                                        <p:tgtEl>
+                                          <p:spTgt spid="5"/>
+                                        </p:tgtEl>
+                                      </p:cBhvr>
+                                    </p:animEffect>
+                                  </p:childTnLst>
+                                </p:cTn>
+                              </p:par>
+                            </p:childTnLst>
+                          </p:cTn>
+                        </p:par>
+                      </p:childTnLst>
+                    </p:cTn>
+                  </p:par>
+                  <p:par>
+                    <p:cTn id="16" fill="hold">
+                      <p:stCondLst>
+                        <p:cond delay="indefinite"/>
+                      </p:stCondLst>
+                      <p:childTnLst>
+                        <p:par>
+                          <p:cTn id="17" fill="hold">
+                            <p:stCondLst>
+                              <p:cond delay="0"/>
+                            </p:stCondLst>
+                            <p:childTnLst>
+                              <p:par>
+                                <p:cTn id="18" presetID="1" presetClass="entr" presetSubtype="0" fill="hold" nodeType="clickEffect">
+                                  <p:stCondLst>
+                                    <p:cond delay="0"/>
+                                  </p:stCondLst>
+                                  <p:childTnLst>
+                                    <p:set>
+                                      <p:cBhvr>
+                                        <p:cTn id="19" dur="1" fill="hold">
+                                          <p:stCondLst>
+                                            <p:cond delay="0"/>
+                                          </p:stCondLst>
+                                        </p:cTn>
+                                        <p:tgtEl>
+                                          <p:spTgt spid="8"/>
+                                        </p:tgtEl>
+                                        <p:attrNameLst>
+                                          <p:attrName>style.visibility</p:attrName>
+                                        </p:attrNameLst>
+                                      </p:cBhvr>
+                                      <p:to>
+                                        <p:strVal val="visible"/>
+                                      </p:to>
+                                    </p:set>
+                                  </p:childTnLst>
+                                </p:cTn>
+                              </p:par>
+                            </p:childTnLst>
+                          </p:cTn>
+                        </p:par>
+                      </p:childTnLst>
+                    </p:cTn>
+                  </p:par>
+                  <p:par>
+                    <p:cTn id="20" fill="hold">
+                      <p:stCondLst>
+                        <p:cond delay="indefinite"/>
+                      </p:stCondLst>
+                      <p:childTnLst>
+                        <p:par>
+                          <p:cTn id="21" fill="hold">
+                            <p:stCondLst>
+                              <p:cond delay="0"/>
+                            </p:stCondLst>
+                            <p:childTnLst>
+                              <p:par>
+                                <p:cTn id="22" presetID="10" presetClass="entr" presetSubtype="0" fill="hold" grpId="0" nodeType="clickEffect">
+                                  <p:stCondLst>
+                                    <p:cond delay="0"/>
+                                  </p:stCondLst>
+                                  <p:childTnLst>
+                                    <p:set>
+                                      <p:cBhvr>
+                                        <p:cTn id="23" dur="1" fill="hold">
+                                          <p:stCondLst>
+                                            <p:cond delay="0"/>
+                                          </p:stCondLst>
+                                        </p:cTn>
+                                        <p:tgtEl>
+                                          <p:spTgt spid="9"/>
+                                        </p:tgtEl>
+                                        <p:attrNameLst>
+                                          <p:attrName>style.visibility</p:attrName>
+                                        </p:attrNameLst>
+                                      </p:cBhvr>
+                                      <p:to>
+                                        <p:strVal val="visible"/>
+                                      </p:to>
+                                    </p:set>
+                                    <p:animEffect transition="in" filter="fade">
+                                      <p:cBhvr>
+                                        <p:cTn id="24" dur="500"/>
+                                        <p:tgtEl>
+                                          <p:spTgt spid="9"/>
+                                        </p:tgtEl>
+                                      </p:cBhvr>
+                                    </p:animEffect>
+                                  </p:childTnLst>
+                                </p:cTn>
+                              </p:par>
+                            </p:childTnLst>
+                          </p:cTn>
+                        </p:par>
+                      </p:childTnLst>
+                    </p:cTn>
+                  </p:par>
+                </p:childTnLst>
+              </p:cTn>
+              <p:prevCondLst>
+                <p:cond evt="onPrev" delay="0">
+                  <p:tgtEl>
+                    <p:sldTgt/>
+                  </p:tgtEl>
+                </p:cond>
+              </p:prevCondLst>
+              <p:nextCondLst>
+                <p:cond evt="onNext" delay="0">
+                  <p:tgtEl>
+                    <p:sldTgt/>
+                  </p:tgtEl>
+                </p:cond>
+              </p:nextCondLst>
+            </p:seq>
+          </p:childTnLst>
+        </p:cTn>
+      </p:par>
+    </p:tnLst>
+    <p:bldLst>
+      <p:bldP spid="9" grpId="0"/>
+    </p:bldLst>
+  </p:timing>
+</p:sld>
+</file>
+
+<file path=ppt/slides/slide101.xml><?xml version="1.0" encoding="utf-8"?>
+<p:sld xmlns:a="http://schemas.openxmlformats.org/drawingml/2006/main" xmlns:r="http://schemas.openxmlformats.org/officeDocument/2006/relationships" xmlns:p="http://schemas.openxmlformats.org/presentationml/2006/main">
+  <p:cSld>
+    <p:spTree>
+      <p:nvGrpSpPr>
+        <p:cNvPr id="1" name=""/>
+        <p:cNvGrpSpPr/>
+        <p:nvPr/>
+      </p:nvGrpSpPr>
+      <p:grpSpPr>
+        <a:xfrm>
+          <a:off x="0" y="0"/>
+          <a:ext cx="0" cy="0"/>
+          <a:chOff x="0" y="0"/>
+          <a:chExt cx="0" cy="0"/>
+        </a:xfrm>
+      </p:grpSpPr>
+      <p:sp>
+        <p:nvSpPr>
+          <p:cNvPr id="2" name="Title 1"/>
+          <p:cNvSpPr>
+            <a:spLocks noGrp="1"/>
+          </p:cNvSpPr>
+          <p:nvPr>
+            <p:ph type="title"/>
+          </p:nvPr>
+        </p:nvSpPr>
+        <p:spPr/>
+        <p:txBody>
+          <a:bodyPr/>
+          <a:lstStyle/>
+          <a:p>
+            <a:r>
+              <a:rPr lang="pt-BR" dirty="0"/>
+              <a:t>Exemplo</a:t>
+            </a:r>
+            <a:endParaRPr lang="en-US" dirty="0"/>
+          </a:p>
+        </p:txBody>
+      </p:sp>
+      <p:pic>
+        <p:nvPicPr>
           <p:cNvPr id="4" name="Picture 3"/>
           <p:cNvPicPr>
             <a:picLocks noChangeAspect="1"/>
@@ -17306,7 +17836,7 @@
 </p:sld>
 </file>
 
-<file path=ppt/slides/slide101.xml><?xml version="1.0" encoding="utf-8"?>
+<file path=ppt/slides/slide102.xml><?xml version="1.0" encoding="utf-8"?>
 <p:sld xmlns:a="http://schemas.openxmlformats.org/drawingml/2006/main" xmlns:r="http://schemas.openxmlformats.org/officeDocument/2006/relationships" xmlns:p="http://schemas.openxmlformats.org/presentationml/2006/main">
   <p:cSld>
     <p:spTree>
@@ -17391,191 +17921,6 @@
 </p:sld>
 </file>
 
-<file path=ppt/slides/slide102.xml><?xml version="1.0" encoding="utf-8"?>
-<p:sld xmlns:a="http://schemas.openxmlformats.org/drawingml/2006/main" xmlns:r="http://schemas.openxmlformats.org/officeDocument/2006/relationships" xmlns:p="http://schemas.openxmlformats.org/presentationml/2006/main">
-  <p:cSld>
-    <p:spTree>
-      <p:nvGrpSpPr>
-        <p:cNvPr id="1" name=""/>
-        <p:cNvGrpSpPr/>
-        <p:nvPr/>
-      </p:nvGrpSpPr>
-      <p:grpSpPr>
-        <a:xfrm>
-          <a:off x="0" y="0"/>
-          <a:ext cx="0" cy="0"/>
-          <a:chOff x="0" y="0"/>
-          <a:chExt cx="0" cy="0"/>
-        </a:xfrm>
-      </p:grpSpPr>
-      <p:sp>
-        <p:nvSpPr>
-          <p:cNvPr id="2" name="Title 1"/>
-          <p:cNvSpPr>
-            <a:spLocks noGrp="1"/>
-          </p:cNvSpPr>
-          <p:nvPr>
-            <p:ph type="title"/>
-          </p:nvPr>
-        </p:nvSpPr>
-        <p:spPr/>
-        <p:txBody>
-          <a:bodyPr/>
-          <a:lstStyle/>
-          <a:p>
-            <a:r>
-              <a:rPr lang="pt-BR" dirty="0" err="1"/>
-              <a:t>Issues</a:t>
-            </a:r>
-            <a:r>
-              <a:rPr lang="pt-BR" dirty="0"/>
-              <a:t> - </a:t>
-            </a:r>
-            <a:r>
-              <a:rPr lang="pt-BR" dirty="0" err="1"/>
-              <a:t>Commit</a:t>
-            </a:r>
-            <a:r>
-              <a:rPr lang="pt-BR" dirty="0"/>
-              <a:t> </a:t>
-            </a:r>
-            <a:r>
-              <a:rPr lang="pt-BR" dirty="0" err="1"/>
-              <a:t>Keywords</a:t>
-            </a:r>
-            <a:endParaRPr lang="en-US" dirty="0"/>
-          </a:p>
-        </p:txBody>
-      </p:sp>
-      <p:sp>
-        <p:nvSpPr>
-          <p:cNvPr id="3" name="Content Placeholder 2"/>
-          <p:cNvSpPr>
-            <a:spLocks noGrp="1"/>
-          </p:cNvSpPr>
-          <p:nvPr>
-            <p:ph idx="1"/>
-          </p:nvPr>
-        </p:nvSpPr>
-        <p:spPr>
-          <a:xfrm>
-            <a:off x="457200" y="2000240"/>
-            <a:ext cx="8229600" cy="4525104"/>
-          </a:xfrm>
-        </p:spPr>
-        <p:txBody>
-          <a:bodyPr>
-            <a:normAutofit lnSpcReduction="10000"/>
-          </a:bodyPr>
-          <a:lstStyle/>
-          <a:p>
-            <a:pPr marL="457200" indent="-457200">
-              <a:buFont typeface="Arial" panose="020B0604020202020204" pitchFamily="34" charset="0"/>
-              <a:buChar char="•"/>
-            </a:pPr>
-            <a:r>
-              <a:rPr lang="en-US" dirty="0"/>
-              <a:t>Close</a:t>
-            </a:r>
-          </a:p>
-          <a:p>
-            <a:pPr marL="457200" indent="-457200">
-              <a:buFont typeface="Arial" panose="020B0604020202020204" pitchFamily="34" charset="0"/>
-              <a:buChar char="•"/>
-            </a:pPr>
-            <a:r>
-              <a:rPr lang="en-US" dirty="0"/>
-              <a:t>Closes</a:t>
-            </a:r>
-          </a:p>
-          <a:p>
-            <a:pPr marL="457200" indent="-457200">
-              <a:buFont typeface="Arial" panose="020B0604020202020204" pitchFamily="34" charset="0"/>
-              <a:buChar char="•"/>
-            </a:pPr>
-            <a:r>
-              <a:rPr lang="en-US" dirty="0"/>
-              <a:t>Closed</a:t>
-            </a:r>
-          </a:p>
-          <a:p>
-            <a:pPr marL="457200" indent="-457200">
-              <a:buFont typeface="Arial" panose="020B0604020202020204" pitchFamily="34" charset="0"/>
-              <a:buChar char="•"/>
-            </a:pPr>
-            <a:r>
-              <a:rPr lang="en-US" dirty="0"/>
-              <a:t>Fix</a:t>
-            </a:r>
-          </a:p>
-          <a:p>
-            <a:pPr marL="457200" indent="-457200">
-              <a:buFont typeface="Arial" panose="020B0604020202020204" pitchFamily="34" charset="0"/>
-              <a:buChar char="•"/>
-            </a:pPr>
-            <a:r>
-              <a:rPr lang="en-US" dirty="0"/>
-              <a:t>Fixes</a:t>
-            </a:r>
-          </a:p>
-          <a:p>
-            <a:pPr marL="457200" indent="-457200">
-              <a:buFont typeface="Arial" panose="020B0604020202020204" pitchFamily="34" charset="0"/>
-              <a:buChar char="•"/>
-            </a:pPr>
-            <a:r>
-              <a:rPr lang="en-US" dirty="0"/>
-              <a:t>Fixed</a:t>
-            </a:r>
-          </a:p>
-          <a:p>
-            <a:pPr marL="457200" indent="-457200">
-              <a:buFont typeface="Arial" panose="020B0604020202020204" pitchFamily="34" charset="0"/>
-              <a:buChar char="•"/>
-            </a:pPr>
-            <a:r>
-              <a:rPr lang="en-US" dirty="0"/>
-              <a:t>Resolve</a:t>
-            </a:r>
-          </a:p>
-          <a:p>
-            <a:pPr marL="457200" indent="-457200">
-              <a:buFont typeface="Arial" panose="020B0604020202020204" pitchFamily="34" charset="0"/>
-              <a:buChar char="•"/>
-            </a:pPr>
-            <a:r>
-              <a:rPr lang="en-US" dirty="0"/>
-              <a:t>Resolves</a:t>
-            </a:r>
-          </a:p>
-          <a:p>
-            <a:pPr marL="457200" indent="-457200">
-              <a:buFont typeface="Arial" panose="020B0604020202020204" pitchFamily="34" charset="0"/>
-              <a:buChar char="•"/>
-            </a:pPr>
-            <a:r>
-              <a:rPr lang="en-US" dirty="0"/>
-              <a:t>Resolved</a:t>
-            </a:r>
-          </a:p>
-        </p:txBody>
-      </p:sp>
-    </p:spTree>
-    <p:extLst>
-      <p:ext uri="{BB962C8B-B14F-4D97-AF65-F5344CB8AC3E}">
-        <p14:creationId xmlns:p14="http://schemas.microsoft.com/office/powerpoint/2010/main" val="2091560598"/>
-      </p:ext>
-    </p:extLst>
-  </p:cSld>
-  <p:clrMapOvr>
-    <a:masterClrMapping/>
-  </p:clrMapOvr>
-  <p:transition>
-    <p:fade/>
-  </p:transition>
-</p:sld>
-</file>
-
 <file path=ppt/slides/slide103.xml><?xml version="1.0" encoding="utf-8"?>
 <p:sld xmlns:a="http://schemas.openxmlformats.org/drawingml/2006/main" xmlns:r="http://schemas.openxmlformats.org/officeDocument/2006/relationships" xmlns:p="http://schemas.openxmlformats.org/presentationml/2006/main">
   <p:cSld>
@@ -17610,7 +17955,15 @@
           <a:p>
             <a:r>
               <a:rPr lang="pt-BR" dirty="0" err="1"/>
-              <a:t>Hands</a:t>
+              <a:t>Issues</a:t>
+            </a:r>
+            <a:r>
+              <a:rPr lang="pt-BR" dirty="0"/>
+              <a:t> - </a:t>
+            </a:r>
+            <a:r>
+              <a:rPr lang="pt-BR" dirty="0" err="1"/>
+              <a:t>Commit</a:t>
             </a:r>
             <a:r>
               <a:rPr lang="pt-BR" dirty="0"/>
@@ -17618,11 +17971,176 @@
             </a:r>
             <a:r>
               <a:rPr lang="pt-BR" dirty="0" err="1"/>
-              <a:t>on</a:t>
-            </a:r>
+              <a:t>Keywords</a:t>
+            </a:r>
+            <a:endParaRPr lang="en-US" dirty="0"/>
+          </a:p>
+        </p:txBody>
+      </p:sp>
+      <p:sp>
+        <p:nvSpPr>
+          <p:cNvPr id="3" name="Content Placeholder 2"/>
+          <p:cNvSpPr>
+            <a:spLocks noGrp="1"/>
+          </p:cNvSpPr>
+          <p:nvPr>
+            <p:ph idx="1"/>
+          </p:nvPr>
+        </p:nvSpPr>
+        <p:spPr>
+          <a:xfrm>
+            <a:off x="457200" y="2000240"/>
+            <a:ext cx="8229600" cy="4525104"/>
+          </a:xfrm>
+        </p:spPr>
+        <p:txBody>
+          <a:bodyPr>
+            <a:normAutofit lnSpcReduction="10000"/>
+          </a:bodyPr>
+          <a:lstStyle/>
+          <a:p>
+            <a:pPr marL="457200" indent="-457200">
+              <a:buFont typeface="Arial" panose="020B0604020202020204" pitchFamily="34" charset="0"/>
+              <a:buChar char="•"/>
+            </a:pPr>
+            <a:r>
+              <a:rPr lang="en-US" dirty="0"/>
+              <a:t>Close</a:t>
+            </a:r>
+          </a:p>
+          <a:p>
+            <a:pPr marL="457200" indent="-457200">
+              <a:buFont typeface="Arial" panose="020B0604020202020204" pitchFamily="34" charset="0"/>
+              <a:buChar char="•"/>
+            </a:pPr>
+            <a:r>
+              <a:rPr lang="en-US" dirty="0"/>
+              <a:t>Closes</a:t>
+            </a:r>
+          </a:p>
+          <a:p>
+            <a:pPr marL="457200" indent="-457200">
+              <a:buFont typeface="Arial" panose="020B0604020202020204" pitchFamily="34" charset="0"/>
+              <a:buChar char="•"/>
+            </a:pPr>
+            <a:r>
+              <a:rPr lang="en-US" dirty="0"/>
+              <a:t>Closed</a:t>
+            </a:r>
+          </a:p>
+          <a:p>
+            <a:pPr marL="457200" indent="-457200">
+              <a:buFont typeface="Arial" panose="020B0604020202020204" pitchFamily="34" charset="0"/>
+              <a:buChar char="•"/>
+            </a:pPr>
+            <a:r>
+              <a:rPr lang="en-US" dirty="0"/>
+              <a:t>Fix</a:t>
+            </a:r>
+          </a:p>
+          <a:p>
+            <a:pPr marL="457200" indent="-457200">
+              <a:buFont typeface="Arial" panose="020B0604020202020204" pitchFamily="34" charset="0"/>
+              <a:buChar char="•"/>
+            </a:pPr>
+            <a:r>
+              <a:rPr lang="en-US" dirty="0"/>
+              <a:t>Fixes</a:t>
+            </a:r>
+          </a:p>
+          <a:p>
+            <a:pPr marL="457200" indent="-457200">
+              <a:buFont typeface="Arial" panose="020B0604020202020204" pitchFamily="34" charset="0"/>
+              <a:buChar char="•"/>
+            </a:pPr>
+            <a:r>
+              <a:rPr lang="en-US" dirty="0"/>
+              <a:t>Fixed</a:t>
+            </a:r>
+          </a:p>
+          <a:p>
+            <a:pPr marL="457200" indent="-457200">
+              <a:buFont typeface="Arial" panose="020B0604020202020204" pitchFamily="34" charset="0"/>
+              <a:buChar char="•"/>
+            </a:pPr>
+            <a:r>
+              <a:rPr lang="en-US" dirty="0"/>
+              <a:t>Resolve</a:t>
+            </a:r>
+          </a:p>
+          <a:p>
+            <a:pPr marL="457200" indent="-457200">
+              <a:buFont typeface="Arial" panose="020B0604020202020204" pitchFamily="34" charset="0"/>
+              <a:buChar char="•"/>
+            </a:pPr>
+            <a:r>
+              <a:rPr lang="en-US" dirty="0"/>
+              <a:t>Resolves</a:t>
+            </a:r>
+          </a:p>
+          <a:p>
+            <a:pPr marL="457200" indent="-457200">
+              <a:buFont typeface="Arial" panose="020B0604020202020204" pitchFamily="34" charset="0"/>
+              <a:buChar char="•"/>
+            </a:pPr>
+            <a:r>
+              <a:rPr lang="en-US" dirty="0"/>
+              <a:t>Resolved</a:t>
+            </a:r>
+          </a:p>
+        </p:txBody>
+      </p:sp>
+    </p:spTree>
+    <p:extLst>
+      <p:ext uri="{BB962C8B-B14F-4D97-AF65-F5344CB8AC3E}">
+        <p14:creationId xmlns:p14="http://schemas.microsoft.com/office/powerpoint/2010/main" val="2091560598"/>
+      </p:ext>
+    </p:extLst>
+  </p:cSld>
+  <p:clrMapOvr>
+    <a:masterClrMapping/>
+  </p:clrMapOvr>
+  <p:transition>
+    <p:fade/>
+  </p:transition>
+</p:sld>
+</file>
+
+<file path=ppt/slides/slide104.xml><?xml version="1.0" encoding="utf-8"?>
+<p:sld xmlns:a="http://schemas.openxmlformats.org/drawingml/2006/main" xmlns:r="http://schemas.openxmlformats.org/officeDocument/2006/relationships" xmlns:p="http://schemas.openxmlformats.org/presentationml/2006/main">
+  <p:cSld>
+    <p:spTree>
+      <p:nvGrpSpPr>
+        <p:cNvPr id="1" name=""/>
+        <p:cNvGrpSpPr/>
+        <p:nvPr/>
+      </p:nvGrpSpPr>
+      <p:grpSpPr>
+        <a:xfrm>
+          <a:off x="0" y="0"/>
+          <a:ext cx="0" cy="0"/>
+          <a:chOff x="0" y="0"/>
+          <a:chExt cx="0" cy="0"/>
+        </a:xfrm>
+      </p:grpSpPr>
+      <p:sp>
+        <p:nvSpPr>
+          <p:cNvPr id="2" name="Title 1"/>
+          <p:cNvSpPr>
+            <a:spLocks noGrp="1"/>
+          </p:cNvSpPr>
+          <p:nvPr>
+            <p:ph type="title"/>
+          </p:nvPr>
+        </p:nvSpPr>
+        <p:spPr/>
+        <p:txBody>
+          <a:bodyPr/>
+          <a:lstStyle/>
+          <a:p>
             <a:r>
               <a:rPr lang="pt-BR" dirty="0"/>
-              <a:t>!</a:t>
+              <a:t>Exercício</a:t>
             </a:r>
             <a:endParaRPr lang="en-US" dirty="0"/>
           </a:p>
@@ -17674,7 +18192,7 @@
 </p:sld>
 </file>
 
-<file path=ppt/slides/slide104.xml><?xml version="1.0" encoding="utf-8"?>
+<file path=ppt/slides/slide105.xml><?xml version="1.0" encoding="utf-8"?>
 <p:sld xmlns:a="http://schemas.openxmlformats.org/drawingml/2006/main" xmlns:r="http://schemas.openxmlformats.org/officeDocument/2006/relationships" xmlns:p="http://schemas.openxmlformats.org/presentationml/2006/main">
   <p:cSld>
     <p:spTree>
@@ -31564,43 +32082,31 @@
           <a:p>
             <a:pPr marL="0" indent="1588" algn="just"/>
             <a:r>
-              <a:rPr lang="en-US" dirty="0" err="1"/>
-              <a:t>Crie</a:t>
-            </a:r>
-            <a:r>
-              <a:rPr lang="en-US" dirty="0"/>
-              <a:t> outro </a:t>
-            </a:r>
-            <a:r>
-              <a:rPr lang="en-US" dirty="0" err="1"/>
-              <a:t>arquivo</a:t>
-            </a:r>
-            <a:r>
-              <a:rPr lang="en-US" dirty="0"/>
-              <a:t>, e </a:t>
-            </a:r>
-            <a:r>
-              <a:rPr lang="en-US" dirty="0" err="1"/>
-              <a:t>adicione</a:t>
-            </a:r>
-            <a:r>
-              <a:rPr lang="en-US" dirty="0"/>
-              <a:t>-o </a:t>
-            </a:r>
-            <a:r>
-              <a:rPr lang="en-US" dirty="0" err="1"/>
-              <a:t>em</a:t>
-            </a:r>
-            <a:r>
-              <a:rPr lang="en-US" dirty="0"/>
-              <a:t> um commit para o branch </a:t>
-            </a:r>
-            <a:r>
-              <a:rPr lang="en-US" i="1" dirty="0"/>
+              <a:rPr lang="pt-BR" dirty="0"/>
+              <a:t>Dentro do </a:t>
+            </a:r>
+            <a:r>
+              <a:rPr lang="pt-BR" dirty="0" err="1"/>
+              <a:t>branch</a:t>
+            </a:r>
+            <a:r>
+              <a:rPr lang="pt-BR" dirty="0"/>
+              <a:t> </a:t>
+            </a:r>
+            <a:r>
+              <a:rPr lang="pt-BR" i="1" dirty="0"/>
               <a:t>iss53</a:t>
             </a:r>
             <a:r>
-              <a:rPr lang="en-US" dirty="0"/>
+              <a:rPr lang="pt-BR" dirty="0"/>
+              <a:t>, altera algo no arquivo já criado e consolide as mudanças em um </a:t>
+            </a:r>
+            <a:r>
+              <a:rPr lang="pt-BR" dirty="0" err="1"/>
+              <a:t>commit</a:t>
+            </a:r>
+            <a:r>
+              <a:rPr lang="pt-BR" dirty="0"/>
               <a:t>.</a:t>
             </a:r>
           </a:p>
@@ -32192,15 +32698,7 @@
             </a:r>
             <a:r>
               <a:rPr lang="en-US" dirty="0"/>
-              <a:t> </a:t>
-            </a:r>
-            <a:r>
-              <a:rPr lang="en-US" dirty="0" err="1"/>
-              <a:t>algum</a:t>
-            </a:r>
-            <a:r>
-              <a:rPr lang="en-US" dirty="0"/>
-              <a:t> </a:t>
+              <a:t> o </a:t>
             </a:r>
             <a:r>
               <a:rPr lang="en-US" dirty="0" err="1"/>
@@ -34221,6 +34719,111 @@
 </file>
 
 <file path=ppt/slides/slide73.xml><?xml version="1.0" encoding="utf-8"?>
+<p:sld xmlns:a="http://schemas.openxmlformats.org/drawingml/2006/main" xmlns:r="http://schemas.openxmlformats.org/officeDocument/2006/relationships" xmlns:p="http://schemas.openxmlformats.org/presentationml/2006/main">
+  <p:cSld>
+    <p:spTree>
+      <p:nvGrpSpPr>
+        <p:cNvPr id="1" name=""/>
+        <p:cNvGrpSpPr/>
+        <p:nvPr/>
+      </p:nvGrpSpPr>
+      <p:grpSpPr>
+        <a:xfrm>
+          <a:off x="0" y="0"/>
+          <a:ext cx="0" cy="0"/>
+          <a:chOff x="0" y="0"/>
+          <a:chExt cx="0" cy="0"/>
+        </a:xfrm>
+      </p:grpSpPr>
+      <p:sp>
+        <p:nvSpPr>
+          <p:cNvPr id="2" name="Title 1"/>
+          <p:cNvSpPr>
+            <a:spLocks noGrp="1"/>
+          </p:cNvSpPr>
+          <p:nvPr>
+            <p:ph type="title"/>
+          </p:nvPr>
+        </p:nvSpPr>
+        <p:spPr/>
+        <p:txBody>
+          <a:bodyPr/>
+          <a:lstStyle/>
+          <a:p>
+            <a:r>
+              <a:rPr lang="pt-BR" dirty="0"/>
+              <a:t>Exercício</a:t>
+            </a:r>
+            <a:endParaRPr lang="en-US" dirty="0"/>
+          </a:p>
+        </p:txBody>
+      </p:sp>
+      <p:sp>
+        <p:nvSpPr>
+          <p:cNvPr id="3" name="Content Placeholder 2"/>
+          <p:cNvSpPr>
+            <a:spLocks noGrp="1"/>
+          </p:cNvSpPr>
+          <p:nvPr>
+            <p:ph idx="1"/>
+          </p:nvPr>
+        </p:nvSpPr>
+        <p:spPr>
+          <a:xfrm>
+            <a:off x="457200" y="2183397"/>
+            <a:ext cx="8229600" cy="3837891"/>
+          </a:xfrm>
+        </p:spPr>
+        <p:txBody>
+          <a:bodyPr/>
+          <a:lstStyle/>
+          <a:p>
+            <a:r>
+              <a:rPr lang="en-US" sz="3500" dirty="0"/>
+              <a:t>https://github.com/ltiaunesp/Git-Minicurso</a:t>
+            </a:r>
+          </a:p>
+          <a:p>
+            <a:endParaRPr lang="pt-BR" dirty="0"/>
+          </a:p>
+          <a:p>
+            <a:pPr marL="0" indent="11113"/>
+            <a:r>
+              <a:rPr lang="pt-BR" dirty="0"/>
+              <a:t>Clone o diretório em seu computador. </a:t>
+            </a:r>
+          </a:p>
+          <a:p>
+            <a:pPr marL="0" indent="11113"/>
+            <a:endParaRPr lang="pt-BR" dirty="0"/>
+          </a:p>
+          <a:p>
+            <a:pPr marL="0" indent="11113" algn="ctr"/>
+            <a:r>
+              <a:rPr lang="pt-BR" b="1" dirty="0"/>
+              <a:t>Faça 4 cópias da pasta!</a:t>
+            </a:r>
+            <a:endParaRPr lang="en-US" b="1" dirty="0"/>
+          </a:p>
+        </p:txBody>
+      </p:sp>
+    </p:spTree>
+    <p:extLst>
+      <p:ext uri="{BB962C8B-B14F-4D97-AF65-F5344CB8AC3E}">
+        <p14:creationId xmlns:p14="http://schemas.microsoft.com/office/powerpoint/2010/main" val="1931640072"/>
+      </p:ext>
+    </p:extLst>
+  </p:cSld>
+  <p:clrMapOvr>
+    <a:masterClrMapping/>
+  </p:clrMapOvr>
+  <p:transition>
+    <p:fade/>
+  </p:transition>
+</p:sld>
+</file>
+
+<file path=ppt/slides/slide74.xml><?xml version="1.0" encoding="utf-8"?>
 <p:sld xmlns:a="http://schemas.openxmlformats.org/drawingml/2006/main" xmlns:r="http://schemas.openxmlformats.org/officeDocument/2006/relationships" xmlns:p="http://schemas.openxmlformats.org/presentationml/2006/main">
   <p:cSld>
     <p:spTree>
@@ -34595,7 +35198,7 @@
 </p:sld>
 </file>
 
-<file path=ppt/slides/slide74.xml><?xml version="1.0" encoding="utf-8"?>
+<file path=ppt/slides/slide75.xml><?xml version="1.0" encoding="utf-8"?>
 <p:sld xmlns:a="http://schemas.openxmlformats.org/drawingml/2006/main" xmlns:r="http://schemas.openxmlformats.org/officeDocument/2006/relationships" xmlns:p="http://schemas.openxmlformats.org/presentationml/2006/main">
   <p:cSld>
     <p:spTree>
@@ -35001,7 +35604,7 @@
 </p:sld>
 </file>
 
-<file path=ppt/slides/slide75.xml><?xml version="1.0" encoding="utf-8"?>
+<file path=ppt/slides/slide76.xml><?xml version="1.0" encoding="utf-8"?>
 <p:sld xmlns:a="http://schemas.openxmlformats.org/drawingml/2006/main" xmlns:r="http://schemas.openxmlformats.org/officeDocument/2006/relationships" xmlns:p="http://schemas.openxmlformats.org/presentationml/2006/main">
   <p:cSld>
     <p:spTree>
@@ -35553,7 +36156,7 @@
 </p:sld>
 </file>
 
-<file path=ppt/slides/slide76.xml><?xml version="1.0" encoding="utf-8"?>
+<file path=ppt/slides/slide77.xml><?xml version="1.0" encoding="utf-8"?>
 <p:sld xmlns:a="http://schemas.openxmlformats.org/drawingml/2006/main" xmlns:r="http://schemas.openxmlformats.org/officeDocument/2006/relationships" xmlns:p="http://schemas.openxmlformats.org/presentationml/2006/main">
   <p:cSld>
     <p:spTree>
@@ -35953,7 +36556,7 @@
 </p:sld>
 </file>
 
-<file path=ppt/slides/slide77.xml><?xml version="1.0" encoding="utf-8"?>
+<file path=ppt/slides/slide78.xml><?xml version="1.0" encoding="utf-8"?>
 <p:sld xmlns:a="http://schemas.openxmlformats.org/drawingml/2006/main" xmlns:r="http://schemas.openxmlformats.org/officeDocument/2006/relationships" xmlns:p="http://schemas.openxmlformats.org/presentationml/2006/main">
   <p:cSld>
     <p:spTree>
@@ -36278,7 +36881,7 @@
 </p:sld>
 </file>
 
-<file path=ppt/slides/slide78.xml><?xml version="1.0" encoding="utf-8"?>
+<file path=ppt/slides/slide79.xml><?xml version="1.0" encoding="utf-8"?>
 <p:sld xmlns:a="http://schemas.openxmlformats.org/drawingml/2006/main" xmlns:r="http://schemas.openxmlformats.org/officeDocument/2006/relationships" xmlns:p="http://schemas.openxmlformats.org/presentationml/2006/main">
   <p:cSld>
     <p:spTree>
@@ -36665,7 +37268,93 @@
 </p:sld>
 </file>
 
-<file path=ppt/slides/slide79.xml><?xml version="1.0" encoding="utf-8"?>
+<file path=ppt/slides/slide8.xml><?xml version="1.0" encoding="utf-8"?>
+<p:sld xmlns:a="http://schemas.openxmlformats.org/drawingml/2006/main" xmlns:r="http://schemas.openxmlformats.org/officeDocument/2006/relationships" xmlns:p="http://schemas.openxmlformats.org/presentationml/2006/main">
+  <p:cSld>
+    <p:spTree>
+      <p:nvGrpSpPr>
+        <p:cNvPr id="1" name=""/>
+        <p:cNvGrpSpPr/>
+        <p:nvPr/>
+      </p:nvGrpSpPr>
+      <p:grpSpPr>
+        <a:xfrm>
+          <a:off x="0" y="0"/>
+          <a:ext cx="0" cy="0"/>
+          <a:chOff x="0" y="0"/>
+          <a:chExt cx="0" cy="0"/>
+        </a:xfrm>
+      </p:grpSpPr>
+      <p:sp>
+        <p:nvSpPr>
+          <p:cNvPr id="2" name="Title 1"/>
+          <p:cNvSpPr>
+            <a:spLocks noGrp="1"/>
+          </p:cNvSpPr>
+          <p:nvPr>
+            <p:ph type="title"/>
+          </p:nvPr>
+        </p:nvSpPr>
+        <p:spPr/>
+        <p:txBody>
+          <a:bodyPr>
+            <a:normAutofit fontScale="90000"/>
+          </a:bodyPr>
+          <a:lstStyle/>
+          <a:p>
+            <a:r>
+              <a:rPr lang="pt-BR" dirty="0"/>
+              <a:t>Controle de Versão Distribuído</a:t>
+            </a:r>
+          </a:p>
+        </p:txBody>
+      </p:sp>
+      <p:pic>
+        <p:nvPicPr>
+          <p:cNvPr id="4" name="Content Placeholder 2"/>
+          <p:cNvPicPr>
+            <a:picLocks noGrp="1" noChangeAspect="1"/>
+          </p:cNvPicPr>
+          <p:nvPr>
+            <p:ph idx="1"/>
+          </p:nvPr>
+        </p:nvPicPr>
+        <p:blipFill>
+          <a:blip r:embed="rId3">
+            <a:extLst>
+              <a:ext uri="{28A0092B-C50C-407E-A947-70E740481C1C}">
+                <a14:useLocalDpi xmlns:a14="http://schemas.microsoft.com/office/drawing/2010/main" val="0"/>
+              </a:ext>
+            </a:extLst>
+          </a:blip>
+          <a:stretch>
+            <a:fillRect/>
+          </a:stretch>
+        </p:blipFill>
+        <p:spPr>
+          <a:xfrm>
+            <a:off x="2411760" y="1484784"/>
+            <a:ext cx="4336377" cy="5193266"/>
+          </a:xfrm>
+        </p:spPr>
+      </p:pic>
+    </p:spTree>
+    <p:extLst>
+      <p:ext uri="{BB962C8B-B14F-4D97-AF65-F5344CB8AC3E}">
+        <p14:creationId xmlns:p14="http://schemas.microsoft.com/office/powerpoint/2010/main" val="3608898214"/>
+      </p:ext>
+    </p:extLst>
+  </p:cSld>
+  <p:clrMapOvr>
+    <a:masterClrMapping/>
+  </p:clrMapOvr>
+  <p:transition>
+    <p:fade/>
+  </p:transition>
+</p:sld>
+</file>
+
+<file path=ppt/slides/slide80.xml><?xml version="1.0" encoding="utf-8"?>
 <p:sld xmlns:a="http://schemas.openxmlformats.org/drawingml/2006/main" xmlns:r="http://schemas.openxmlformats.org/officeDocument/2006/relationships" xmlns:p="http://schemas.openxmlformats.org/presentationml/2006/main">
   <p:cSld>
     <p:spTree>
@@ -36909,93 +37598,7 @@
 </p:sld>
 </file>
 
-<file path=ppt/slides/slide8.xml><?xml version="1.0" encoding="utf-8"?>
-<p:sld xmlns:a="http://schemas.openxmlformats.org/drawingml/2006/main" xmlns:r="http://schemas.openxmlformats.org/officeDocument/2006/relationships" xmlns:p="http://schemas.openxmlformats.org/presentationml/2006/main">
-  <p:cSld>
-    <p:spTree>
-      <p:nvGrpSpPr>
-        <p:cNvPr id="1" name=""/>
-        <p:cNvGrpSpPr/>
-        <p:nvPr/>
-      </p:nvGrpSpPr>
-      <p:grpSpPr>
-        <a:xfrm>
-          <a:off x="0" y="0"/>
-          <a:ext cx="0" cy="0"/>
-          <a:chOff x="0" y="0"/>
-          <a:chExt cx="0" cy="0"/>
-        </a:xfrm>
-      </p:grpSpPr>
-      <p:sp>
-        <p:nvSpPr>
-          <p:cNvPr id="2" name="Title 1"/>
-          <p:cNvSpPr>
-            <a:spLocks noGrp="1"/>
-          </p:cNvSpPr>
-          <p:nvPr>
-            <p:ph type="title"/>
-          </p:nvPr>
-        </p:nvSpPr>
-        <p:spPr/>
-        <p:txBody>
-          <a:bodyPr>
-            <a:normAutofit fontScale="90000"/>
-          </a:bodyPr>
-          <a:lstStyle/>
-          <a:p>
-            <a:r>
-              <a:rPr lang="pt-BR" dirty="0"/>
-              <a:t>Controle de Versão Distribuído</a:t>
-            </a:r>
-          </a:p>
-        </p:txBody>
-      </p:sp>
-      <p:pic>
-        <p:nvPicPr>
-          <p:cNvPr id="4" name="Content Placeholder 2"/>
-          <p:cNvPicPr>
-            <a:picLocks noGrp="1" noChangeAspect="1"/>
-          </p:cNvPicPr>
-          <p:nvPr>
-            <p:ph idx="1"/>
-          </p:nvPr>
-        </p:nvPicPr>
-        <p:blipFill>
-          <a:blip r:embed="rId3">
-            <a:extLst>
-              <a:ext uri="{28A0092B-C50C-407E-A947-70E740481C1C}">
-                <a14:useLocalDpi xmlns:a14="http://schemas.microsoft.com/office/drawing/2010/main" val="0"/>
-              </a:ext>
-            </a:extLst>
-          </a:blip>
-          <a:stretch>
-            <a:fillRect/>
-          </a:stretch>
-        </p:blipFill>
-        <p:spPr>
-          <a:xfrm>
-            <a:off x="2411760" y="1484784"/>
-            <a:ext cx="4336377" cy="5193266"/>
-          </a:xfrm>
-        </p:spPr>
-      </p:pic>
-    </p:spTree>
-    <p:extLst>
-      <p:ext uri="{BB962C8B-B14F-4D97-AF65-F5344CB8AC3E}">
-        <p14:creationId xmlns:p14="http://schemas.microsoft.com/office/powerpoint/2010/main" val="3608898214"/>
-      </p:ext>
-    </p:extLst>
-  </p:cSld>
-  <p:clrMapOvr>
-    <a:masterClrMapping/>
-  </p:clrMapOvr>
-  <p:transition>
-    <p:fade/>
-  </p:transition>
-</p:sld>
-</file>
-
-<file path=ppt/slides/slide80.xml><?xml version="1.0" encoding="utf-8"?>
+<file path=ppt/slides/slide81.xml><?xml version="1.0" encoding="utf-8"?>
 <p:sld xmlns:a="http://schemas.openxmlformats.org/drawingml/2006/main" xmlns:r="http://schemas.openxmlformats.org/officeDocument/2006/relationships" xmlns:p="http://schemas.openxmlformats.org/presentationml/2006/main">
   <p:cSld>
     <p:spTree>
@@ -37699,7 +38302,7 @@
 </p:sld>
 </file>
 
-<file path=ppt/slides/slide81.xml><?xml version="1.0" encoding="utf-8"?>
+<file path=ppt/slides/slide82.xml><?xml version="1.0" encoding="utf-8"?>
 <p:sld xmlns:a="http://schemas.openxmlformats.org/drawingml/2006/main" xmlns:r="http://schemas.openxmlformats.org/officeDocument/2006/relationships" xmlns:p="http://schemas.openxmlformats.org/presentationml/2006/main">
   <p:cSld>
     <p:spTree>
@@ -37974,7 +38577,7 @@
 </p:sld>
 </file>
 
-<file path=ppt/slides/slide82.xml><?xml version="1.0" encoding="utf-8"?>
+<file path=ppt/slides/slide83.xml><?xml version="1.0" encoding="utf-8"?>
 <p:sld xmlns:a="http://schemas.openxmlformats.org/drawingml/2006/main" xmlns:r="http://schemas.openxmlformats.org/officeDocument/2006/relationships" xmlns:p="http://schemas.openxmlformats.org/presentationml/2006/main">
   <p:cSld>
     <p:spTree>
@@ -38058,7 +38661,7 @@
 </p:sld>
 </file>
 
-<file path=ppt/slides/slide83.xml><?xml version="1.0" encoding="utf-8"?>
+<file path=ppt/slides/slide84.xml><?xml version="1.0" encoding="utf-8"?>
 <p:sld xmlns:a="http://schemas.openxmlformats.org/drawingml/2006/main" xmlns:r="http://schemas.openxmlformats.org/officeDocument/2006/relationships" xmlns:p="http://schemas.openxmlformats.org/presentationml/2006/main">
   <p:cSld>
     <p:spTree>
@@ -38189,7 +38792,7 @@
 </p:sld>
 </file>
 
-<file path=ppt/slides/slide84.xml><?xml version="1.0" encoding="utf-8"?>
+<file path=ppt/slides/slide85.xml><?xml version="1.0" encoding="utf-8"?>
 <p:sld xmlns:a="http://schemas.openxmlformats.org/drawingml/2006/main" xmlns:r="http://schemas.openxmlformats.org/officeDocument/2006/relationships" xmlns:p="http://schemas.openxmlformats.org/presentationml/2006/main">
   <p:cSld>
     <p:spTree>
@@ -38367,7 +38970,7 @@
 </p:sld>
 </file>
 
-<file path=ppt/slides/slide85.xml><?xml version="1.0" encoding="utf-8"?>
+<file path=ppt/slides/slide86.xml><?xml version="1.0" encoding="utf-8"?>
 <p:sld xmlns:a="http://schemas.openxmlformats.org/drawingml/2006/main" xmlns:r="http://schemas.openxmlformats.org/officeDocument/2006/relationships" xmlns:p="http://schemas.openxmlformats.org/presentationml/2006/main">
   <p:cSld>
     <p:spTree>
@@ -38511,7 +39114,7 @@
 </p:sld>
 </file>
 
-<file path=ppt/slides/slide86.xml><?xml version="1.0" encoding="utf-8"?>
+<file path=ppt/slides/slide87.xml><?xml version="1.0" encoding="utf-8"?>
 <p:sld xmlns:a="http://schemas.openxmlformats.org/drawingml/2006/main" xmlns:r="http://schemas.openxmlformats.org/officeDocument/2006/relationships" xmlns:p="http://schemas.openxmlformats.org/presentationml/2006/main">
   <p:cSld>
     <p:spTree>
@@ -38596,7 +39199,7 @@
 </p:sld>
 </file>
 
-<file path=ppt/slides/slide87.xml><?xml version="1.0" encoding="utf-8"?>
+<file path=ppt/slides/slide88.xml><?xml version="1.0" encoding="utf-8"?>
 <p:sld xmlns:a="http://schemas.openxmlformats.org/drawingml/2006/main" xmlns:r="http://schemas.openxmlformats.org/officeDocument/2006/relationships" xmlns:p="http://schemas.openxmlformats.org/presentationml/2006/main">
   <p:cSld>
     <p:spTree>
@@ -38681,7 +39284,7 @@
 </p:sld>
 </file>
 
-<file path=ppt/slides/slide88.xml><?xml version="1.0" encoding="utf-8"?>
+<file path=ppt/slides/slide89.xml><?xml version="1.0" encoding="utf-8"?>
 <p:sld xmlns:a="http://schemas.openxmlformats.org/drawingml/2006/main" xmlns:r="http://schemas.openxmlformats.org/officeDocument/2006/relationships" xmlns:p="http://schemas.openxmlformats.org/presentationml/2006/main">
   <p:cSld>
     <p:spTree>
@@ -38766,7 +39369,148 @@
 </p:sld>
 </file>
 
-<file path=ppt/slides/slide89.xml><?xml version="1.0" encoding="utf-8"?>
+<file path=ppt/slides/slide9.xml><?xml version="1.0" encoding="utf-8"?>
+<p:sld xmlns:a="http://schemas.openxmlformats.org/drawingml/2006/main" xmlns:r="http://schemas.openxmlformats.org/officeDocument/2006/relationships" xmlns:p="http://schemas.openxmlformats.org/presentationml/2006/main">
+  <p:cSld>
+    <p:spTree>
+      <p:nvGrpSpPr>
+        <p:cNvPr id="1" name=""/>
+        <p:cNvGrpSpPr/>
+        <p:nvPr/>
+      </p:nvGrpSpPr>
+      <p:grpSpPr>
+        <a:xfrm>
+          <a:off x="0" y="0"/>
+          <a:ext cx="0" cy="0"/>
+          <a:chOff x="0" y="0"/>
+          <a:chExt cx="0" cy="0"/>
+        </a:xfrm>
+      </p:grpSpPr>
+      <p:sp>
+        <p:nvSpPr>
+          <p:cNvPr id="2" name="Title 1"/>
+          <p:cNvSpPr>
+            <a:spLocks noGrp="1"/>
+          </p:cNvSpPr>
+          <p:nvPr>
+            <p:ph type="title"/>
+          </p:nvPr>
+        </p:nvSpPr>
+        <p:spPr/>
+        <p:txBody>
+          <a:bodyPr/>
+          <a:lstStyle/>
+          <a:p>
+            <a:r>
+              <a:rPr lang="pt-BR" dirty="0"/>
+              <a:t>Por que usar o </a:t>
+            </a:r>
+            <a:r>
+              <a:rPr lang="pt-BR" dirty="0" err="1"/>
+              <a:t>Git</a:t>
+            </a:r>
+            <a:r>
+              <a:rPr lang="pt-BR" dirty="0"/>
+              <a:t>?</a:t>
+            </a:r>
+            <a:endParaRPr lang="en-US" dirty="0"/>
+          </a:p>
+        </p:txBody>
+      </p:sp>
+      <p:sp>
+        <p:nvSpPr>
+          <p:cNvPr id="3" name="Content Placeholder 2"/>
+          <p:cNvSpPr>
+            <a:spLocks noGrp="1"/>
+          </p:cNvSpPr>
+          <p:nvPr>
+            <p:ph idx="1"/>
+          </p:nvPr>
+        </p:nvSpPr>
+        <p:spPr/>
+        <p:txBody>
+          <a:bodyPr/>
+          <a:lstStyle/>
+          <a:p>
+            <a:pPr marL="457200" indent="-457200">
+              <a:buFont typeface="Arial" panose="020B0604020202020204" pitchFamily="34" charset="0"/>
+              <a:buChar char="•"/>
+            </a:pPr>
+            <a:r>
+              <a:rPr lang="pt-BR" dirty="0"/>
+              <a:t>Implementação de </a:t>
+            </a:r>
+            <a:r>
+              <a:rPr lang="pt-BR" dirty="0" err="1"/>
+              <a:t>Branches</a:t>
+            </a:r>
+            <a:r>
+              <a:rPr lang="pt-BR" dirty="0"/>
+              <a:t> extremamente leve e rápida;</a:t>
+            </a:r>
+          </a:p>
+          <a:p>
+            <a:pPr marL="457200" indent="-457200">
+              <a:buFont typeface="Arial" panose="020B0604020202020204" pitchFamily="34" charset="0"/>
+              <a:buChar char="•"/>
+            </a:pPr>
+            <a:endParaRPr lang="pt-BR" dirty="0"/>
+          </a:p>
+          <a:p>
+            <a:pPr marL="457200" indent="-457200">
+              <a:buFont typeface="Arial" panose="020B0604020202020204" pitchFamily="34" charset="0"/>
+              <a:buChar char="•"/>
+            </a:pPr>
+            <a:r>
+              <a:rPr lang="pt-BR" dirty="0"/>
+              <a:t>Comunidade </a:t>
+            </a:r>
+            <a:r>
+              <a:rPr lang="pt-BR" dirty="0" err="1"/>
+              <a:t>OpenSource</a:t>
+            </a:r>
+            <a:r>
+              <a:rPr lang="pt-BR" dirty="0"/>
+              <a:t> do GitHub;</a:t>
+            </a:r>
+          </a:p>
+          <a:p>
+            <a:pPr marL="457200" indent="-457200">
+              <a:buFont typeface="Arial" panose="020B0604020202020204" pitchFamily="34" charset="0"/>
+              <a:buChar char="•"/>
+            </a:pPr>
+            <a:endParaRPr lang="pt-BR" dirty="0"/>
+          </a:p>
+          <a:p>
+            <a:pPr marL="457200" indent="-457200">
+              <a:buFont typeface="Arial" panose="020B0604020202020204" pitchFamily="34" charset="0"/>
+              <a:buChar char="•"/>
+            </a:pPr>
+            <a:r>
+              <a:rPr lang="pt-BR" dirty="0"/>
+              <a:t>“Portfólio” para computação.</a:t>
+            </a:r>
+            <a:endParaRPr lang="en-US" dirty="0"/>
+          </a:p>
+        </p:txBody>
+      </p:sp>
+    </p:spTree>
+    <p:extLst>
+      <p:ext uri="{BB962C8B-B14F-4D97-AF65-F5344CB8AC3E}">
+        <p14:creationId xmlns:p14="http://schemas.microsoft.com/office/powerpoint/2010/main" val="122839860"/>
+      </p:ext>
+    </p:extLst>
+  </p:cSld>
+  <p:clrMapOvr>
+    <a:masterClrMapping/>
+  </p:clrMapOvr>
+  <p:transition>
+    <p:fade/>
+  </p:transition>
+</p:sld>
+</file>
+
+<file path=ppt/slides/slide90.xml><?xml version="1.0" encoding="utf-8"?>
 <p:sld xmlns:a="http://schemas.openxmlformats.org/drawingml/2006/main" xmlns:r="http://schemas.openxmlformats.org/officeDocument/2006/relationships" xmlns:p="http://schemas.openxmlformats.org/presentationml/2006/main">
   <p:cSld>
     <p:spTree>
@@ -38851,148 +39595,7 @@
 </p:sld>
 </file>
 
-<file path=ppt/slides/slide9.xml><?xml version="1.0" encoding="utf-8"?>
-<p:sld xmlns:a="http://schemas.openxmlformats.org/drawingml/2006/main" xmlns:r="http://schemas.openxmlformats.org/officeDocument/2006/relationships" xmlns:p="http://schemas.openxmlformats.org/presentationml/2006/main">
-  <p:cSld>
-    <p:spTree>
-      <p:nvGrpSpPr>
-        <p:cNvPr id="1" name=""/>
-        <p:cNvGrpSpPr/>
-        <p:nvPr/>
-      </p:nvGrpSpPr>
-      <p:grpSpPr>
-        <a:xfrm>
-          <a:off x="0" y="0"/>
-          <a:ext cx="0" cy="0"/>
-          <a:chOff x="0" y="0"/>
-          <a:chExt cx="0" cy="0"/>
-        </a:xfrm>
-      </p:grpSpPr>
-      <p:sp>
-        <p:nvSpPr>
-          <p:cNvPr id="2" name="Title 1"/>
-          <p:cNvSpPr>
-            <a:spLocks noGrp="1"/>
-          </p:cNvSpPr>
-          <p:nvPr>
-            <p:ph type="title"/>
-          </p:nvPr>
-        </p:nvSpPr>
-        <p:spPr/>
-        <p:txBody>
-          <a:bodyPr/>
-          <a:lstStyle/>
-          <a:p>
-            <a:r>
-              <a:rPr lang="pt-BR" dirty="0"/>
-              <a:t>Por que usar o </a:t>
-            </a:r>
-            <a:r>
-              <a:rPr lang="pt-BR" dirty="0" err="1"/>
-              <a:t>Git</a:t>
-            </a:r>
-            <a:r>
-              <a:rPr lang="pt-BR" dirty="0"/>
-              <a:t>?</a:t>
-            </a:r>
-            <a:endParaRPr lang="en-US" dirty="0"/>
-          </a:p>
-        </p:txBody>
-      </p:sp>
-      <p:sp>
-        <p:nvSpPr>
-          <p:cNvPr id="3" name="Content Placeholder 2"/>
-          <p:cNvSpPr>
-            <a:spLocks noGrp="1"/>
-          </p:cNvSpPr>
-          <p:nvPr>
-            <p:ph idx="1"/>
-          </p:nvPr>
-        </p:nvSpPr>
-        <p:spPr/>
-        <p:txBody>
-          <a:bodyPr/>
-          <a:lstStyle/>
-          <a:p>
-            <a:pPr marL="457200" indent="-457200">
-              <a:buFont typeface="Arial" panose="020B0604020202020204" pitchFamily="34" charset="0"/>
-              <a:buChar char="•"/>
-            </a:pPr>
-            <a:r>
-              <a:rPr lang="pt-BR" dirty="0"/>
-              <a:t>Implementação de </a:t>
-            </a:r>
-            <a:r>
-              <a:rPr lang="pt-BR" dirty="0" err="1"/>
-              <a:t>Branches</a:t>
-            </a:r>
-            <a:r>
-              <a:rPr lang="pt-BR" dirty="0"/>
-              <a:t> extremamente leve e rápida;</a:t>
-            </a:r>
-          </a:p>
-          <a:p>
-            <a:pPr marL="457200" indent="-457200">
-              <a:buFont typeface="Arial" panose="020B0604020202020204" pitchFamily="34" charset="0"/>
-              <a:buChar char="•"/>
-            </a:pPr>
-            <a:endParaRPr lang="pt-BR" dirty="0"/>
-          </a:p>
-          <a:p>
-            <a:pPr marL="457200" indent="-457200">
-              <a:buFont typeface="Arial" panose="020B0604020202020204" pitchFamily="34" charset="0"/>
-              <a:buChar char="•"/>
-            </a:pPr>
-            <a:r>
-              <a:rPr lang="pt-BR" dirty="0"/>
-              <a:t>Comunidade </a:t>
-            </a:r>
-            <a:r>
-              <a:rPr lang="pt-BR" dirty="0" err="1"/>
-              <a:t>OpenSource</a:t>
-            </a:r>
-            <a:r>
-              <a:rPr lang="pt-BR" dirty="0"/>
-              <a:t> do GitHub;</a:t>
-            </a:r>
-          </a:p>
-          <a:p>
-            <a:pPr marL="457200" indent="-457200">
-              <a:buFont typeface="Arial" panose="020B0604020202020204" pitchFamily="34" charset="0"/>
-              <a:buChar char="•"/>
-            </a:pPr>
-            <a:endParaRPr lang="pt-BR" dirty="0"/>
-          </a:p>
-          <a:p>
-            <a:pPr marL="457200" indent="-457200">
-              <a:buFont typeface="Arial" panose="020B0604020202020204" pitchFamily="34" charset="0"/>
-              <a:buChar char="•"/>
-            </a:pPr>
-            <a:r>
-              <a:rPr lang="pt-BR" dirty="0"/>
-              <a:t>“Portfólio” para computação.</a:t>
-            </a:r>
-            <a:endParaRPr lang="en-US" dirty="0"/>
-          </a:p>
-        </p:txBody>
-      </p:sp>
-    </p:spTree>
-    <p:extLst>
-      <p:ext uri="{BB962C8B-B14F-4D97-AF65-F5344CB8AC3E}">
-        <p14:creationId xmlns:p14="http://schemas.microsoft.com/office/powerpoint/2010/main" val="122839860"/>
-      </p:ext>
-    </p:extLst>
-  </p:cSld>
-  <p:clrMapOvr>
-    <a:masterClrMapping/>
-  </p:clrMapOvr>
-  <p:transition>
-    <p:fade/>
-  </p:transition>
-</p:sld>
-</file>
-
-<file path=ppt/slides/slide90.xml><?xml version="1.0" encoding="utf-8"?>
+<file path=ppt/slides/slide91.xml><?xml version="1.0" encoding="utf-8"?>
 <p:sld xmlns:a="http://schemas.openxmlformats.org/drawingml/2006/main" xmlns:r="http://schemas.openxmlformats.org/officeDocument/2006/relationships" xmlns:p="http://schemas.openxmlformats.org/presentationml/2006/main">
   <p:cSld>
     <p:spTree>
@@ -39077,7 +39680,7 @@
 </p:sld>
 </file>
 
-<file path=ppt/slides/slide91.xml><?xml version="1.0" encoding="utf-8"?>
+<file path=ppt/slides/slide92.xml><?xml version="1.0" encoding="utf-8"?>
 <p:sld xmlns:a="http://schemas.openxmlformats.org/drawingml/2006/main" xmlns:r="http://schemas.openxmlformats.org/officeDocument/2006/relationships" xmlns:p="http://schemas.openxmlformats.org/presentationml/2006/main">
   <p:cSld>
     <p:spTree>
@@ -39209,7 +39812,7 @@
 </p:sld>
 </file>
 
-<file path=ppt/slides/slide92.xml><?xml version="1.0" encoding="utf-8"?>
+<file path=ppt/slides/slide93.xml><?xml version="1.0" encoding="utf-8"?>
 <p:sld xmlns:a="http://schemas.openxmlformats.org/drawingml/2006/main" xmlns:r="http://schemas.openxmlformats.org/officeDocument/2006/relationships" xmlns:p="http://schemas.openxmlformats.org/presentationml/2006/main">
   <p:cSld>
     <p:spTree>
@@ -39294,7 +39897,7 @@
 </p:sld>
 </file>
 
-<file path=ppt/slides/slide93.xml><?xml version="1.0" encoding="utf-8"?>
+<file path=ppt/slides/slide94.xml><?xml version="1.0" encoding="utf-8"?>
 <p:sld xmlns:a="http://schemas.openxmlformats.org/drawingml/2006/main" xmlns:r="http://schemas.openxmlformats.org/officeDocument/2006/relationships" xmlns:p="http://schemas.openxmlformats.org/presentationml/2006/main">
   <p:cSld>
     <p:spTree>
@@ -39379,7 +39982,7 @@
 </p:sld>
 </file>
 
-<file path=ppt/slides/slide94.xml><?xml version="1.0" encoding="utf-8"?>
+<file path=ppt/slides/slide95.xml><?xml version="1.0" encoding="utf-8"?>
 <p:sld xmlns:a="http://schemas.openxmlformats.org/drawingml/2006/main" xmlns:r="http://schemas.openxmlformats.org/officeDocument/2006/relationships" xmlns:p="http://schemas.openxmlformats.org/presentationml/2006/main">
   <p:cSld>
     <p:spTree>
@@ -39464,7 +40067,7 @@
 </p:sld>
 </file>
 
-<file path=ppt/slides/slide95.xml><?xml version="1.0" encoding="utf-8"?>
+<file path=ppt/slides/slide96.xml><?xml version="1.0" encoding="utf-8"?>
 <p:sld xmlns:a="http://schemas.openxmlformats.org/drawingml/2006/main" xmlns:r="http://schemas.openxmlformats.org/officeDocument/2006/relationships" xmlns:p="http://schemas.openxmlformats.org/presentationml/2006/main">
   <p:cSld>
     <p:spTree>
@@ -39713,7 +40316,7 @@
 </p:sld>
 </file>
 
-<file path=ppt/slides/slide96.xml><?xml version="1.0" encoding="utf-8"?>
+<file path=ppt/slides/slide97.xml><?xml version="1.0" encoding="utf-8"?>
 <p:sld xmlns:a="http://schemas.openxmlformats.org/drawingml/2006/main" xmlns:r="http://schemas.openxmlformats.org/officeDocument/2006/relationships" xmlns:p="http://schemas.openxmlformats.org/presentationml/2006/main">
   <p:cSld>
     <p:spTree>
@@ -40007,7 +40610,7 @@
 </p:sld>
 </file>
 
-<file path=ppt/slides/slide97.xml><?xml version="1.0" encoding="utf-8"?>
+<file path=ppt/slides/slide98.xml><?xml version="1.0" encoding="utf-8"?>
 <p:sld xmlns:a="http://schemas.openxmlformats.org/drawingml/2006/main" xmlns:r="http://schemas.openxmlformats.org/officeDocument/2006/relationships" xmlns:p="http://schemas.openxmlformats.org/presentationml/2006/main">
   <p:cSld>
     <p:spTree>
@@ -40166,7 +40769,7 @@
 </p:sld>
 </file>
 
-<file path=ppt/slides/slide98.xml><?xml version="1.0" encoding="utf-8"?>
+<file path=ppt/slides/slide99.xml><?xml version="1.0" encoding="utf-8"?>
 <p:sld xmlns:a="http://schemas.openxmlformats.org/drawingml/2006/main" xmlns:r="http://schemas.openxmlformats.org/officeDocument/2006/relationships" xmlns:p="http://schemas.openxmlformats.org/presentationml/2006/main">
   <p:cSld>
     <p:spTree>
@@ -40352,531 +40955,6 @@
   <p:transition>
     <p:fade/>
   </p:transition>
-</p:sld>
-</file>
-
-<file path=ppt/slides/slide99.xml><?xml version="1.0" encoding="utf-8"?>
-<p:sld xmlns:a="http://schemas.openxmlformats.org/drawingml/2006/main" xmlns:r="http://schemas.openxmlformats.org/officeDocument/2006/relationships" xmlns:p="http://schemas.openxmlformats.org/presentationml/2006/main">
-  <p:cSld>
-    <p:spTree>
-      <p:nvGrpSpPr>
-        <p:cNvPr id="1" name=""/>
-        <p:cNvGrpSpPr/>
-        <p:nvPr/>
-      </p:nvGrpSpPr>
-      <p:grpSpPr>
-        <a:xfrm>
-          <a:off x="0" y="0"/>
-          <a:ext cx="0" cy="0"/>
-          <a:chOff x="0" y="0"/>
-          <a:chExt cx="0" cy="0"/>
-        </a:xfrm>
-      </p:grpSpPr>
-      <p:sp>
-        <p:nvSpPr>
-          <p:cNvPr id="2" name="Title 1"/>
-          <p:cNvSpPr>
-            <a:spLocks noGrp="1"/>
-          </p:cNvSpPr>
-          <p:nvPr>
-            <p:ph type="title"/>
-          </p:nvPr>
-        </p:nvSpPr>
-        <p:spPr/>
-        <p:txBody>
-          <a:bodyPr/>
-          <a:lstStyle/>
-          <a:p>
-            <a:r>
-              <a:rPr lang="pt-BR" dirty="0"/>
-              <a:t>Exemplo</a:t>
-            </a:r>
-            <a:endParaRPr lang="en-US" dirty="0"/>
-          </a:p>
-        </p:txBody>
-      </p:sp>
-      <p:pic>
-        <p:nvPicPr>
-          <p:cNvPr id="4" name="Content Placeholder 3"/>
-          <p:cNvPicPr>
-            <a:picLocks noGrp="1" noChangeAspect="1"/>
-          </p:cNvPicPr>
-          <p:nvPr>
-            <p:ph idx="1"/>
-          </p:nvPr>
-        </p:nvPicPr>
-        <p:blipFill>
-          <a:blip r:embed="rId3" cstate="print">
-            <a:extLst>
-              <a:ext uri="{28A0092B-C50C-407E-A947-70E740481C1C}">
-                <a14:useLocalDpi xmlns:a14="http://schemas.microsoft.com/office/drawing/2010/main" val="0"/>
-              </a:ext>
-            </a:extLst>
-          </a:blip>
-          <a:stretch>
-            <a:fillRect/>
-          </a:stretch>
-        </p:blipFill>
-        <p:spPr>
-          <a:xfrm>
-            <a:off x="185831" y="2892488"/>
-            <a:ext cx="3290546" cy="298872"/>
-          </a:xfrm>
-        </p:spPr>
-      </p:pic>
-      <p:pic>
-        <p:nvPicPr>
-          <p:cNvPr id="5" name="Picture 4"/>
-          <p:cNvPicPr>
-            <a:picLocks noChangeAspect="1"/>
-          </p:cNvPicPr>
-          <p:nvPr/>
-        </p:nvPicPr>
-        <p:blipFill>
-          <a:blip r:embed="rId4" cstate="print">
-            <a:extLst>
-              <a:ext uri="{28A0092B-C50C-407E-A947-70E740481C1C}">
-                <a14:useLocalDpi xmlns:a14="http://schemas.microsoft.com/office/drawing/2010/main" val="0"/>
-              </a:ext>
-            </a:extLst>
-          </a:blip>
-          <a:stretch>
-            <a:fillRect/>
-          </a:stretch>
-        </p:blipFill>
-        <p:spPr>
-          <a:xfrm>
-            <a:off x="4866351" y="2799307"/>
-            <a:ext cx="4176464" cy="476711"/>
-          </a:xfrm>
-          <a:prstGeom prst="rect">
-            <a:avLst/>
-          </a:prstGeom>
-        </p:spPr>
-      </p:pic>
-      <p:cxnSp>
-        <p:nvCxnSpPr>
-          <p:cNvPr id="6" name="Straight Arrow Connector 5"/>
-          <p:cNvCxnSpPr/>
-          <p:nvPr/>
-        </p:nvCxnSpPr>
-        <p:spPr>
-          <a:xfrm>
-            <a:off x="3595300" y="3037662"/>
-            <a:ext cx="1199043" cy="0"/>
-          </a:xfrm>
-          <a:prstGeom prst="straightConnector1">
-            <a:avLst/>
-          </a:prstGeom>
-          <a:ln w="28575">
-            <a:tailEnd type="triangle"/>
-          </a:ln>
-        </p:spPr>
-        <p:style>
-          <a:lnRef idx="1">
-            <a:schemeClr val="dk1"/>
-          </a:lnRef>
-          <a:fillRef idx="0">
-            <a:schemeClr val="dk1"/>
-          </a:fillRef>
-          <a:effectRef idx="0">
-            <a:schemeClr val="dk1"/>
-          </a:effectRef>
-          <a:fontRef idx="minor">
-            <a:schemeClr val="tx1"/>
-          </a:fontRef>
-        </p:style>
-      </p:cxnSp>
-      <p:pic>
-        <p:nvPicPr>
-          <p:cNvPr id="7" name="Picture 6"/>
-          <p:cNvPicPr>
-            <a:picLocks noChangeAspect="1"/>
-          </p:cNvPicPr>
-          <p:nvPr/>
-        </p:nvPicPr>
-        <p:blipFill>
-          <a:blip r:embed="rId5" cstate="print">
-            <a:extLst>
-              <a:ext uri="{28A0092B-C50C-407E-A947-70E740481C1C}">
-                <a14:useLocalDpi xmlns:a14="http://schemas.microsoft.com/office/drawing/2010/main" val="0"/>
-              </a:ext>
-            </a:extLst>
-          </a:blip>
-          <a:stretch>
-            <a:fillRect/>
-          </a:stretch>
-        </p:blipFill>
-        <p:spPr>
-          <a:xfrm>
-            <a:off x="3532594" y="2532080"/>
-            <a:ext cx="1277540" cy="400158"/>
-          </a:xfrm>
-          <a:prstGeom prst="rect">
-            <a:avLst/>
-          </a:prstGeom>
-        </p:spPr>
-      </p:pic>
-      <p:pic>
-        <p:nvPicPr>
-          <p:cNvPr id="8" name="Picture 7"/>
-          <p:cNvPicPr>
-            <a:picLocks noChangeAspect="1"/>
-          </p:cNvPicPr>
-          <p:nvPr/>
-        </p:nvPicPr>
-        <p:blipFill>
-          <a:blip r:embed="rId6" cstate="print">
-            <a:extLst>
-              <a:ext uri="{28A0092B-C50C-407E-A947-70E740481C1C}">
-                <a14:useLocalDpi xmlns:a14="http://schemas.microsoft.com/office/drawing/2010/main" val="0"/>
-              </a:ext>
-            </a:extLst>
-          </a:blip>
-          <a:stretch>
-            <a:fillRect/>
-          </a:stretch>
-        </p:blipFill>
-        <p:spPr>
-          <a:xfrm>
-            <a:off x="383413" y="3845663"/>
-            <a:ext cx="2376381" cy="513209"/>
-          </a:xfrm>
-          <a:prstGeom prst="rect">
-            <a:avLst/>
-          </a:prstGeom>
-        </p:spPr>
-      </p:pic>
-      <p:sp>
-        <p:nvSpPr>
-          <p:cNvPr id="9" name="TextBox 8"/>
-          <p:cNvSpPr txBox="1"/>
-          <p:nvPr/>
-        </p:nvSpPr>
-        <p:spPr>
-          <a:xfrm>
-            <a:off x="179511" y="5013176"/>
-            <a:ext cx="5136599" cy="523220"/>
-          </a:xfrm>
-          <a:prstGeom prst="rect">
-            <a:avLst/>
-          </a:prstGeom>
-          <a:noFill/>
-        </p:spPr>
-        <p:txBody>
-          <a:bodyPr wrap="none" rtlCol="0">
-            <a:spAutoFit/>
-          </a:bodyPr>
-          <a:lstStyle/>
-          <a:p>
-            <a:pPr marL="457200" indent="-457200">
-              <a:buFont typeface="Arial" panose="020B0604020202020204" pitchFamily="34" charset="0"/>
-              <a:buChar char="•"/>
-            </a:pPr>
-            <a:r>
-              <a:rPr lang="pt-BR" sz="2800" dirty="0" err="1"/>
-              <a:t>git</a:t>
-            </a:r>
-            <a:r>
-              <a:rPr lang="pt-BR" sz="2800" dirty="0"/>
-              <a:t> </a:t>
-            </a:r>
-            <a:r>
-              <a:rPr lang="pt-BR" sz="2800" dirty="0" err="1"/>
-              <a:t>request-pull</a:t>
-            </a:r>
-            <a:r>
-              <a:rPr lang="pt-BR" sz="2800" dirty="0"/>
-              <a:t> destino origem</a:t>
-            </a:r>
-          </a:p>
-        </p:txBody>
-      </p:sp>
-    </p:spTree>
-    <p:extLst>
-      <p:ext uri="{BB962C8B-B14F-4D97-AF65-F5344CB8AC3E}">
-        <p14:creationId xmlns:p14="http://schemas.microsoft.com/office/powerpoint/2010/main" val="1851993963"/>
-      </p:ext>
-    </p:extLst>
-  </p:cSld>
-  <p:clrMapOvr>
-    <a:masterClrMapping/>
-  </p:clrMapOvr>
-  <p:transition>
-    <p:fade/>
-  </p:transition>
-  <p:timing>
-    <p:tnLst>
-      <p:par>
-        <p:cTn id="1" dur="indefinite" restart="never" nodeType="tmRoot">
-          <p:childTnLst>
-            <p:seq concurrent="1" nextAc="seek">
-              <p:cTn id="2" dur="indefinite" nodeType="mainSeq">
-                <p:childTnLst>
-                  <p:par>
-                    <p:cTn id="3" fill="hold">
-                      <p:stCondLst>
-                        <p:cond delay="indefinite"/>
-                      </p:stCondLst>
-                      <p:childTnLst>
-                        <p:par>
-                          <p:cTn id="4" fill="hold">
-                            <p:stCondLst>
-                              <p:cond delay="0"/>
-                            </p:stCondLst>
-                            <p:childTnLst>
-                              <p:par>
-                                <p:cTn id="5" presetID="10" presetClass="entr" presetSubtype="0" fill="hold" nodeType="clickEffect">
-                                  <p:stCondLst>
-                                    <p:cond delay="0"/>
-                                  </p:stCondLst>
-                                  <p:childTnLst>
-                                    <p:set>
-                                      <p:cBhvr>
-                                        <p:cTn id="6" dur="1" fill="hold">
-                                          <p:stCondLst>
-                                            <p:cond delay="0"/>
-                                          </p:stCondLst>
-                                        </p:cTn>
-                                        <p:tgtEl>
-                                          <p:spTgt spid="7"/>
-                                        </p:tgtEl>
-                                        <p:attrNameLst>
-                                          <p:attrName>style.visibility</p:attrName>
-                                        </p:attrNameLst>
-                                      </p:cBhvr>
-                                      <p:to>
-                                        <p:strVal val="visible"/>
-                                      </p:to>
-                                    </p:set>
-                                    <p:animEffect transition="in" filter="fade">
-                                      <p:cBhvr>
-                                        <p:cTn id="7" dur="500"/>
-                                        <p:tgtEl>
-                                          <p:spTgt spid="7"/>
-                                        </p:tgtEl>
-                                      </p:cBhvr>
-                                    </p:animEffect>
-                                  </p:childTnLst>
-                                </p:cTn>
-                              </p:par>
-                            </p:childTnLst>
-                          </p:cTn>
-                        </p:par>
-                        <p:par>
-                          <p:cTn id="8" fill="hold">
-                            <p:stCondLst>
-                              <p:cond delay="500"/>
-                            </p:stCondLst>
-                            <p:childTnLst>
-                              <p:par>
-                                <p:cTn id="9" presetID="10" presetClass="entr" presetSubtype="0" fill="hold" nodeType="afterEffect">
-                                  <p:stCondLst>
-                                    <p:cond delay="0"/>
-                                  </p:stCondLst>
-                                  <p:childTnLst>
-                                    <p:set>
-                                      <p:cBhvr>
-                                        <p:cTn id="10" dur="1" fill="hold">
-                                          <p:stCondLst>
-                                            <p:cond delay="0"/>
-                                          </p:stCondLst>
-                                        </p:cTn>
-                                        <p:tgtEl>
-                                          <p:spTgt spid="6"/>
-                                        </p:tgtEl>
-                                        <p:attrNameLst>
-                                          <p:attrName>style.visibility</p:attrName>
-                                        </p:attrNameLst>
-                                      </p:cBhvr>
-                                      <p:to>
-                                        <p:strVal val="visible"/>
-                                      </p:to>
-                                    </p:set>
-                                    <p:animEffect transition="in" filter="fade">
-                                      <p:cBhvr>
-                                        <p:cTn id="11" dur="500"/>
-                                        <p:tgtEl>
-                                          <p:spTgt spid="6"/>
-                                        </p:tgtEl>
-                                      </p:cBhvr>
-                                    </p:animEffect>
-                                  </p:childTnLst>
-                                </p:cTn>
-                              </p:par>
-                            </p:childTnLst>
-                          </p:cTn>
-                        </p:par>
-                        <p:par>
-                          <p:cTn id="12" fill="hold">
-                            <p:stCondLst>
-                              <p:cond delay="1000"/>
-                            </p:stCondLst>
-                            <p:childTnLst>
-                              <p:par>
-                                <p:cTn id="13" presetID="10" presetClass="entr" presetSubtype="0" fill="hold" nodeType="afterEffect">
-                                  <p:stCondLst>
-                                    <p:cond delay="0"/>
-                                  </p:stCondLst>
-                                  <p:childTnLst>
-                                    <p:set>
-                                      <p:cBhvr>
-                                        <p:cTn id="14" dur="1" fill="hold">
-                                          <p:stCondLst>
-                                            <p:cond delay="0"/>
-                                          </p:stCondLst>
-                                        </p:cTn>
-                                        <p:tgtEl>
-                                          <p:spTgt spid="5"/>
-                                        </p:tgtEl>
-                                        <p:attrNameLst>
-                                          <p:attrName>style.visibility</p:attrName>
-                                        </p:attrNameLst>
-                                      </p:cBhvr>
-                                      <p:to>
-                                        <p:strVal val="visible"/>
-                                      </p:to>
-                                    </p:set>
-                                    <p:animEffect transition="in" filter="fade">
-                                      <p:cBhvr>
-                                        <p:cTn id="15" dur="500"/>
-                                        <p:tgtEl>
-                                          <p:spTgt spid="5"/>
-                                        </p:tgtEl>
-                                      </p:cBhvr>
-                                    </p:animEffect>
-                                  </p:childTnLst>
-                                </p:cTn>
-                              </p:par>
-                            </p:childTnLst>
-                          </p:cTn>
-                        </p:par>
-                      </p:childTnLst>
-                    </p:cTn>
-                  </p:par>
-                  <p:par>
-                    <p:cTn id="16" fill="hold">
-                      <p:stCondLst>
-                        <p:cond delay="indefinite"/>
-                      </p:stCondLst>
-                      <p:childTnLst>
-                        <p:par>
-                          <p:cTn id="17" fill="hold">
-                            <p:stCondLst>
-                              <p:cond delay="0"/>
-                            </p:stCondLst>
-                            <p:childTnLst>
-                              <p:par>
-                                <p:cTn id="18" presetID="1" presetClass="entr" presetSubtype="0" fill="hold" nodeType="clickEffect">
-                                  <p:stCondLst>
-                                    <p:cond delay="0"/>
-                                  </p:stCondLst>
-                                  <p:childTnLst>
-                                    <p:set>
-                                      <p:cBhvr>
-                                        <p:cTn id="19" dur="1" fill="hold">
-                                          <p:stCondLst>
-                                            <p:cond delay="0"/>
-                                          </p:stCondLst>
-                                        </p:cTn>
-                                        <p:tgtEl>
-                                          <p:spTgt spid="8"/>
-                                        </p:tgtEl>
-                                        <p:attrNameLst>
-                                          <p:attrName>style.visibility</p:attrName>
-                                        </p:attrNameLst>
-                                      </p:cBhvr>
-                                      <p:to>
-                                        <p:strVal val="visible"/>
-                                      </p:to>
-                                    </p:set>
-                                  </p:childTnLst>
-                                </p:cTn>
-                              </p:par>
-                            </p:childTnLst>
-                          </p:cTn>
-                        </p:par>
-                      </p:childTnLst>
-                    </p:cTn>
-                  </p:par>
-                  <p:par>
-                    <p:cTn id="20" fill="hold">
-                      <p:stCondLst>
-                        <p:cond delay="indefinite"/>
-                      </p:stCondLst>
-                      <p:childTnLst>
-                        <p:par>
-                          <p:cTn id="21" fill="hold">
-                            <p:stCondLst>
-                              <p:cond delay="0"/>
-                            </p:stCondLst>
-                            <p:childTnLst>
-                              <p:par>
-                                <p:cTn id="22" presetID="10" presetClass="entr" presetSubtype="0" fill="hold" grpId="0" nodeType="clickEffect">
-                                  <p:stCondLst>
-                                    <p:cond delay="0"/>
-                                  </p:stCondLst>
-                                  <p:childTnLst>
-                                    <p:set>
-                                      <p:cBhvr>
-                                        <p:cTn id="23" dur="1" fill="hold">
-                                          <p:stCondLst>
-                                            <p:cond delay="0"/>
-                                          </p:stCondLst>
-                                        </p:cTn>
-                                        <p:tgtEl>
-                                          <p:spTgt spid="9"/>
-                                        </p:tgtEl>
-                                        <p:attrNameLst>
-                                          <p:attrName>style.visibility</p:attrName>
-                                        </p:attrNameLst>
-                                      </p:cBhvr>
-                                      <p:to>
-                                        <p:strVal val="visible"/>
-                                      </p:to>
-                                    </p:set>
-                                    <p:animEffect transition="in" filter="fade">
-                                      <p:cBhvr>
-                                        <p:cTn id="24" dur="500"/>
-                                        <p:tgtEl>
-                                          <p:spTgt spid="9"/>
-                                        </p:tgtEl>
-                                      </p:cBhvr>
-                                    </p:animEffect>
-                                  </p:childTnLst>
-                                </p:cTn>
-                              </p:par>
-                            </p:childTnLst>
-                          </p:cTn>
-                        </p:par>
-                      </p:childTnLst>
-                    </p:cTn>
-                  </p:par>
-                </p:childTnLst>
-              </p:cTn>
-              <p:prevCondLst>
-                <p:cond evt="onPrev" delay="0">
-                  <p:tgtEl>
-                    <p:sldTgt/>
-                  </p:tgtEl>
-                </p:cond>
-              </p:prevCondLst>
-              <p:nextCondLst>
-                <p:cond evt="onNext" delay="0">
-                  <p:tgtEl>
-                    <p:sldTgt/>
-                  </p:tgtEl>
-                </p:cond>
-              </p:nextCondLst>
-            </p:seq>
-          </p:childTnLst>
-        </p:cTn>
-      </p:par>
-    </p:tnLst>
-    <p:bldLst>
-      <p:bldP spid="9" grpId="0"/>
-    </p:bldLst>
-  </p:timing>
 </p:sld>
 </file>
 
